--- a/course-website/course-files/slides/L04_ HTML Continued.pptx
+++ b/course-website/course-files/slides/L04_ HTML Continued.pptx
@@ -5,67 +5,66 @@
     <p:sldMasterId id="2147483659" r:id="rId1"/>
   </p:sldMasterIdLst>
   <p:notesMasterIdLst>
-    <p:notesMasterId r:id="rId36"/>
+    <p:notesMasterId r:id="rId35"/>
   </p:notesMasterIdLst>
   <p:sldIdLst>
     <p:sldId id="256" r:id="rId2"/>
-    <p:sldId id="257" r:id="rId3"/>
-    <p:sldId id="258" r:id="rId4"/>
-    <p:sldId id="259" r:id="rId5"/>
-    <p:sldId id="260" r:id="rId6"/>
-    <p:sldId id="261" r:id="rId7"/>
-    <p:sldId id="262" r:id="rId8"/>
-    <p:sldId id="263" r:id="rId9"/>
-    <p:sldId id="264" r:id="rId10"/>
-    <p:sldId id="265" r:id="rId11"/>
-    <p:sldId id="266" r:id="rId12"/>
-    <p:sldId id="267" r:id="rId13"/>
-    <p:sldId id="268" r:id="rId14"/>
-    <p:sldId id="269" r:id="rId15"/>
-    <p:sldId id="270" r:id="rId16"/>
-    <p:sldId id="271" r:id="rId17"/>
-    <p:sldId id="272" r:id="rId18"/>
-    <p:sldId id="273" r:id="rId19"/>
-    <p:sldId id="274" r:id="rId20"/>
-    <p:sldId id="275" r:id="rId21"/>
-    <p:sldId id="276" r:id="rId22"/>
-    <p:sldId id="277" r:id="rId23"/>
-    <p:sldId id="278" r:id="rId24"/>
-    <p:sldId id="279" r:id="rId25"/>
-    <p:sldId id="280" r:id="rId26"/>
-    <p:sldId id="281" r:id="rId27"/>
-    <p:sldId id="282" r:id="rId28"/>
-    <p:sldId id="283" r:id="rId29"/>
-    <p:sldId id="284" r:id="rId30"/>
-    <p:sldId id="285" r:id="rId31"/>
-    <p:sldId id="286" r:id="rId32"/>
-    <p:sldId id="287" r:id="rId33"/>
-    <p:sldId id="288" r:id="rId34"/>
-    <p:sldId id="289" r:id="rId35"/>
+    <p:sldId id="258" r:id="rId3"/>
+    <p:sldId id="259" r:id="rId4"/>
+    <p:sldId id="260" r:id="rId5"/>
+    <p:sldId id="261" r:id="rId6"/>
+    <p:sldId id="262" r:id="rId7"/>
+    <p:sldId id="263" r:id="rId8"/>
+    <p:sldId id="264" r:id="rId9"/>
+    <p:sldId id="265" r:id="rId10"/>
+    <p:sldId id="266" r:id="rId11"/>
+    <p:sldId id="267" r:id="rId12"/>
+    <p:sldId id="268" r:id="rId13"/>
+    <p:sldId id="269" r:id="rId14"/>
+    <p:sldId id="270" r:id="rId15"/>
+    <p:sldId id="271" r:id="rId16"/>
+    <p:sldId id="272" r:id="rId17"/>
+    <p:sldId id="273" r:id="rId18"/>
+    <p:sldId id="274" r:id="rId19"/>
+    <p:sldId id="275" r:id="rId20"/>
+    <p:sldId id="276" r:id="rId21"/>
+    <p:sldId id="277" r:id="rId22"/>
+    <p:sldId id="278" r:id="rId23"/>
+    <p:sldId id="279" r:id="rId24"/>
+    <p:sldId id="280" r:id="rId25"/>
+    <p:sldId id="281" r:id="rId26"/>
+    <p:sldId id="282" r:id="rId27"/>
+    <p:sldId id="283" r:id="rId28"/>
+    <p:sldId id="284" r:id="rId29"/>
+    <p:sldId id="285" r:id="rId30"/>
+    <p:sldId id="286" r:id="rId31"/>
+    <p:sldId id="287" r:id="rId32"/>
+    <p:sldId id="288" r:id="rId33"/>
+    <p:sldId id="289" r:id="rId34"/>
   </p:sldIdLst>
   <p:sldSz cx="9144000" cy="5143500" type="screen16x9"/>
   <p:notesSz cx="6858000" cy="9144000"/>
   <p:embeddedFontLst>
     <p:embeddedFont>
       <p:font typeface="Consolas" panose="020B0609020204030204" pitchFamily="49" charset="0"/>
-      <p:regular r:id="rId37"/>
-      <p:bold r:id="rId38"/>
-      <p:italic r:id="rId39"/>
-      <p:boldItalic r:id="rId40"/>
+      <p:regular r:id="rId36"/>
+      <p:bold r:id="rId37"/>
+      <p:italic r:id="rId38"/>
+      <p:boldItalic r:id="rId39"/>
     </p:embeddedFont>
     <p:embeddedFont>
       <p:font typeface="Montserrat" pitchFamily="2" charset="77"/>
-      <p:regular r:id="rId41"/>
-      <p:bold r:id="rId42"/>
-      <p:italic r:id="rId43"/>
-      <p:boldItalic r:id="rId44"/>
+      <p:regular r:id="rId40"/>
+      <p:bold r:id="rId41"/>
+      <p:italic r:id="rId42"/>
+      <p:boldItalic r:id="rId43"/>
     </p:embeddedFont>
     <p:embeddedFont>
       <p:font typeface="Rubik Medium" pitchFamily="2" charset="-79"/>
-      <p:regular r:id="rId45"/>
-      <p:bold r:id="rId46"/>
-      <p:italic r:id="rId47"/>
-      <p:boldItalic r:id="rId48"/>
+      <p:regular r:id="rId44"/>
+      <p:bold r:id="rId45"/>
+      <p:italic r:id="rId46"/>
+      <p:boldItalic r:id="rId47"/>
     </p:embeddedFont>
   </p:embeddedFontLst>
   <p:defaultTextStyle>
@@ -297,6 +296,11 @@
       </a:defRPr>
     </a:lvl9pPr>
   </p:defaultTextStyle>
+  <p:extLst>
+    <p:ext uri="{EFAFB233-063F-42B5-8137-9DF3F51BA10A}">
+      <p15:sldGuideLst xmlns:p15="http://schemas.microsoft.com/office/powerpoint/2012/main"/>
+    </p:ext>
+  </p:extLst>
 </p:presentation>
 </file>
 
@@ -850,110 +854,6 @@
   <p:cSld>
     <p:spTree>
       <p:nvGrpSpPr>
-        <p:cNvPr id="1" name="Shape 110"/>
-        <p:cNvGrpSpPr/>
-        <p:nvPr/>
-      </p:nvGrpSpPr>
-      <p:grpSpPr>
-        <a:xfrm>
-          <a:off x="0" y="0"/>
-          <a:ext cx="0" cy="0"/>
-          <a:chOff x="0" y="0"/>
-          <a:chExt cx="0" cy="0"/>
-        </a:xfrm>
-      </p:grpSpPr>
-      <p:sp>
-        <p:nvSpPr>
-          <p:cNvPr id="111" name="Google Shape;111;g1e9e77b2279_0_254:notes"/>
-          <p:cNvSpPr>
-            <a:spLocks noGrp="1" noRot="1" noChangeAspect="1"/>
-          </p:cNvSpPr>
-          <p:nvPr>
-            <p:ph type="sldImg" idx="2"/>
-          </p:nvPr>
-        </p:nvSpPr>
-        <p:spPr>
-          <a:xfrm>
-            <a:off x="381300" y="685800"/>
-            <a:ext cx="6096000" cy="3429000"/>
-          </a:xfrm>
-          <a:custGeom>
-            <a:avLst/>
-            <a:gdLst/>
-            <a:ahLst/>
-            <a:cxnLst/>
-            <a:rect l="l" t="t" r="r" b="b"/>
-            <a:pathLst>
-              <a:path w="120000" h="120000" extrusionOk="0">
-                <a:moveTo>
-                  <a:pt x="0" y="0"/>
-                </a:moveTo>
-                <a:lnTo>
-                  <a:pt x="120000" y="0"/>
-                </a:lnTo>
-                <a:lnTo>
-                  <a:pt x="120000" y="120000"/>
-                </a:lnTo>
-                <a:lnTo>
-                  <a:pt x="0" y="120000"/>
-                </a:lnTo>
-                <a:close/>
-              </a:path>
-            </a:pathLst>
-          </a:custGeom>
-        </p:spPr>
-      </p:sp>
-      <p:sp>
-        <p:nvSpPr>
-          <p:cNvPr id="112" name="Google Shape;112;g1e9e77b2279_0_254:notes"/>
-          <p:cNvSpPr txBox="1">
-            <a:spLocks noGrp="1"/>
-          </p:cNvSpPr>
-          <p:nvPr>
-            <p:ph type="body" idx="1"/>
-          </p:nvPr>
-        </p:nvSpPr>
-        <p:spPr>
-          <a:xfrm>
-            <a:off x="685800" y="4343400"/>
-            <a:ext cx="5486400" cy="4114800"/>
-          </a:xfrm>
-          <a:prstGeom prst="rect">
-            <a:avLst/>
-          </a:prstGeom>
-        </p:spPr>
-        <p:txBody>
-          <a:bodyPr spcFirstLastPara="1" wrap="square" lIns="91425" tIns="91425" rIns="91425" bIns="91425" anchor="t" anchorCtr="0">
-            <a:noAutofit/>
-          </a:bodyPr>
-          <a:lstStyle/>
-          <a:p>
-            <a:pPr marL="0" lvl="0" indent="0" algn="l" rtl="0">
-              <a:spcBef>
-                <a:spcPts val="0"/>
-              </a:spcBef>
-              <a:spcAft>
-                <a:spcPts val="0"/>
-              </a:spcAft>
-              <a:buNone/>
-            </a:pPr>
-            <a:endParaRPr/>
-          </a:p>
-        </p:txBody>
-      </p:sp>
-    </p:spTree>
-  </p:cSld>
-  <p:clrMapOvr>
-    <a:masterClrMapping/>
-  </p:clrMapOvr>
-</p:notes>
-</file>
-
-<file path=ppt/notesSlides/notesSlide11.xml><?xml version="1.0" encoding="utf-8"?>
-<p:notes xmlns:a="http://schemas.openxmlformats.org/drawingml/2006/main" xmlns:r="http://schemas.openxmlformats.org/officeDocument/2006/relationships" xmlns:p="http://schemas.openxmlformats.org/presentationml/2006/main" showMasterSp="0" showMasterPhAnim="0">
-  <p:cSld>
-    <p:spTree>
-      <p:nvGrpSpPr>
         <p:cNvPr id="1" name="Shape 116"/>
         <p:cNvGrpSpPr/>
         <p:nvPr/>
@@ -1053,7 +953,7 @@
 </p:notes>
 </file>
 
-<file path=ppt/notesSlides/notesSlide12.xml><?xml version="1.0" encoding="utf-8"?>
+<file path=ppt/notesSlides/notesSlide11.xml><?xml version="1.0" encoding="utf-8"?>
 <p:notes xmlns:a="http://schemas.openxmlformats.org/drawingml/2006/main" xmlns:r="http://schemas.openxmlformats.org/officeDocument/2006/relationships" xmlns:p="http://schemas.openxmlformats.org/presentationml/2006/main" showMasterSp="0" showMasterPhAnim="0">
   <p:cSld>
     <p:spTree>
@@ -1157,7 +1057,7 @@
 </p:notes>
 </file>
 
-<file path=ppt/notesSlides/notesSlide13.xml><?xml version="1.0" encoding="utf-8"?>
+<file path=ppt/notesSlides/notesSlide12.xml><?xml version="1.0" encoding="utf-8"?>
 <p:notes xmlns:a="http://schemas.openxmlformats.org/drawingml/2006/main" xmlns:r="http://schemas.openxmlformats.org/officeDocument/2006/relationships" xmlns:p="http://schemas.openxmlformats.org/presentationml/2006/main" showMasterSp="0" showMasterPhAnim="0">
   <p:cSld>
     <p:spTree>
@@ -1261,7 +1161,7 @@
 </p:notes>
 </file>
 
-<file path=ppt/notesSlides/notesSlide14.xml><?xml version="1.0" encoding="utf-8"?>
+<file path=ppt/notesSlides/notesSlide13.xml><?xml version="1.0" encoding="utf-8"?>
 <p:notes xmlns:a="http://schemas.openxmlformats.org/drawingml/2006/main" xmlns:r="http://schemas.openxmlformats.org/officeDocument/2006/relationships" xmlns:p="http://schemas.openxmlformats.org/presentationml/2006/main" showMasterSp="0" showMasterPhAnim="0">
   <p:cSld>
     <p:spTree>
@@ -1365,7 +1265,7 @@
 </p:notes>
 </file>
 
-<file path=ppt/notesSlides/notesSlide15.xml><?xml version="1.0" encoding="utf-8"?>
+<file path=ppt/notesSlides/notesSlide14.xml><?xml version="1.0" encoding="utf-8"?>
 <p:notes xmlns:a="http://schemas.openxmlformats.org/drawingml/2006/main" xmlns:r="http://schemas.openxmlformats.org/officeDocument/2006/relationships" xmlns:p="http://schemas.openxmlformats.org/presentationml/2006/main" showMasterSp="0" showMasterPhAnim="0">
   <p:cSld>
     <p:spTree>
@@ -1469,7 +1369,7 @@
 </p:notes>
 </file>
 
-<file path=ppt/notesSlides/notesSlide16.xml><?xml version="1.0" encoding="utf-8"?>
+<file path=ppt/notesSlides/notesSlide15.xml><?xml version="1.0" encoding="utf-8"?>
 <p:notes xmlns:a="http://schemas.openxmlformats.org/drawingml/2006/main" xmlns:r="http://schemas.openxmlformats.org/officeDocument/2006/relationships" xmlns:p="http://schemas.openxmlformats.org/presentationml/2006/main" showMasterSp="0" showMasterPhAnim="0">
   <p:cSld>
     <p:spTree>
@@ -1573,7 +1473,7 @@
 </p:notes>
 </file>
 
-<file path=ppt/notesSlides/notesSlide17.xml><?xml version="1.0" encoding="utf-8"?>
+<file path=ppt/notesSlides/notesSlide16.xml><?xml version="1.0" encoding="utf-8"?>
 <p:notes xmlns:a="http://schemas.openxmlformats.org/drawingml/2006/main" xmlns:r="http://schemas.openxmlformats.org/officeDocument/2006/relationships" xmlns:p="http://schemas.openxmlformats.org/presentationml/2006/main" showMasterSp="0" showMasterPhAnim="0">
   <p:cSld>
     <p:spTree>
@@ -1677,7 +1577,7 @@
 </p:notes>
 </file>
 
-<file path=ppt/notesSlides/notesSlide18.xml><?xml version="1.0" encoding="utf-8"?>
+<file path=ppt/notesSlides/notesSlide17.xml><?xml version="1.0" encoding="utf-8"?>
 <p:notes xmlns:a="http://schemas.openxmlformats.org/drawingml/2006/main" xmlns:r="http://schemas.openxmlformats.org/officeDocument/2006/relationships" xmlns:p="http://schemas.openxmlformats.org/presentationml/2006/main" showMasterSp="0" showMasterPhAnim="0">
   <p:cSld>
     <p:spTree>
@@ -1781,7 +1681,7 @@
 </p:notes>
 </file>
 
-<file path=ppt/notesSlides/notesSlide19.xml><?xml version="1.0" encoding="utf-8"?>
+<file path=ppt/notesSlides/notesSlide18.xml><?xml version="1.0" encoding="utf-8"?>
 <p:notes xmlns:a="http://schemas.openxmlformats.org/drawingml/2006/main" xmlns:r="http://schemas.openxmlformats.org/officeDocument/2006/relationships" xmlns:p="http://schemas.openxmlformats.org/presentationml/2006/main" showMasterSp="0" showMasterPhAnim="0">
   <p:cSld>
     <p:spTree>
@@ -1885,111 +1785,7 @@
 </p:notes>
 </file>
 
-<file path=ppt/notesSlides/notesSlide2.xml><?xml version="1.0" encoding="utf-8"?>
-<p:notes xmlns:a="http://schemas.openxmlformats.org/drawingml/2006/main" xmlns:r="http://schemas.openxmlformats.org/officeDocument/2006/relationships" xmlns:p="http://schemas.openxmlformats.org/presentationml/2006/main" showMasterSp="0" showMasterPhAnim="0">
-  <p:cSld>
-    <p:spTree>
-      <p:nvGrpSpPr>
-        <p:cNvPr id="1" name="Shape 57"/>
-        <p:cNvGrpSpPr/>
-        <p:nvPr/>
-      </p:nvGrpSpPr>
-      <p:grpSpPr>
-        <a:xfrm>
-          <a:off x="0" y="0"/>
-          <a:ext cx="0" cy="0"/>
-          <a:chOff x="0" y="0"/>
-          <a:chExt cx="0" cy="0"/>
-        </a:xfrm>
-      </p:grpSpPr>
-      <p:sp>
-        <p:nvSpPr>
-          <p:cNvPr id="58" name="Google Shape;58;g120ec3adecb_0_12:notes"/>
-          <p:cNvSpPr>
-            <a:spLocks noGrp="1" noRot="1" noChangeAspect="1"/>
-          </p:cNvSpPr>
-          <p:nvPr>
-            <p:ph type="sldImg" idx="2"/>
-          </p:nvPr>
-        </p:nvSpPr>
-        <p:spPr>
-          <a:xfrm>
-            <a:off x="381000" y="685800"/>
-            <a:ext cx="6096000" cy="3429000"/>
-          </a:xfrm>
-          <a:custGeom>
-            <a:avLst/>
-            <a:gdLst/>
-            <a:ahLst/>
-            <a:cxnLst/>
-            <a:rect l="l" t="t" r="r" b="b"/>
-            <a:pathLst>
-              <a:path w="120000" h="120000" extrusionOk="0">
-                <a:moveTo>
-                  <a:pt x="0" y="0"/>
-                </a:moveTo>
-                <a:lnTo>
-                  <a:pt x="120000" y="0"/>
-                </a:lnTo>
-                <a:lnTo>
-                  <a:pt x="120000" y="120000"/>
-                </a:lnTo>
-                <a:lnTo>
-                  <a:pt x="0" y="120000"/>
-                </a:lnTo>
-                <a:close/>
-              </a:path>
-            </a:pathLst>
-          </a:custGeom>
-        </p:spPr>
-      </p:sp>
-      <p:sp>
-        <p:nvSpPr>
-          <p:cNvPr id="59" name="Google Shape;59;g120ec3adecb_0_12:notes"/>
-          <p:cNvSpPr txBox="1">
-            <a:spLocks noGrp="1"/>
-          </p:cNvSpPr>
-          <p:nvPr>
-            <p:ph type="body" idx="1"/>
-          </p:nvPr>
-        </p:nvSpPr>
-        <p:spPr>
-          <a:xfrm>
-            <a:off x="685800" y="4343400"/>
-            <a:ext cx="5486400" cy="4114800"/>
-          </a:xfrm>
-          <a:prstGeom prst="rect">
-            <a:avLst/>
-          </a:prstGeom>
-        </p:spPr>
-        <p:txBody>
-          <a:bodyPr spcFirstLastPara="1" wrap="square" lIns="91425" tIns="91425" rIns="91425" bIns="91425" anchor="t" anchorCtr="0">
-            <a:noAutofit/>
-          </a:bodyPr>
-          <a:lstStyle/>
-          <a:p>
-            <a:pPr marL="0" lvl="0" indent="0" algn="l" rtl="0">
-              <a:spcBef>
-                <a:spcPts val="0"/>
-              </a:spcBef>
-              <a:spcAft>
-                <a:spcPts val="0"/>
-              </a:spcAft>
-              <a:buNone/>
-            </a:pPr>
-            <a:endParaRPr/>
-          </a:p>
-        </p:txBody>
-      </p:sp>
-    </p:spTree>
-  </p:cSld>
-  <p:clrMapOvr>
-    <a:masterClrMapping/>
-  </p:clrMapOvr>
-</p:notes>
-</file>
-
-<file path=ppt/notesSlides/notesSlide20.xml><?xml version="1.0" encoding="utf-8"?>
+<file path=ppt/notesSlides/notesSlide19.xml><?xml version="1.0" encoding="utf-8"?>
 <p:notes xmlns:a="http://schemas.openxmlformats.org/drawingml/2006/main" xmlns:r="http://schemas.openxmlformats.org/officeDocument/2006/relationships" xmlns:p="http://schemas.openxmlformats.org/presentationml/2006/main" showMasterSp="0" showMasterPhAnim="0">
   <p:cSld>
     <p:spTree>
@@ -2093,7 +1889,111 @@
 </p:notes>
 </file>
 
-<file path=ppt/notesSlides/notesSlide21.xml><?xml version="1.0" encoding="utf-8"?>
+<file path=ppt/notesSlides/notesSlide2.xml><?xml version="1.0" encoding="utf-8"?>
+<p:notes xmlns:a="http://schemas.openxmlformats.org/drawingml/2006/main" xmlns:r="http://schemas.openxmlformats.org/officeDocument/2006/relationships" xmlns:p="http://schemas.openxmlformats.org/presentationml/2006/main" showMasterSp="0" showMasterPhAnim="0">
+  <p:cSld>
+    <p:spTree>
+      <p:nvGrpSpPr>
+        <p:cNvPr id="1" name="Shape 64"/>
+        <p:cNvGrpSpPr/>
+        <p:nvPr/>
+      </p:nvGrpSpPr>
+      <p:grpSpPr>
+        <a:xfrm>
+          <a:off x="0" y="0"/>
+          <a:ext cx="0" cy="0"/>
+          <a:chOff x="0" y="0"/>
+          <a:chExt cx="0" cy="0"/>
+        </a:xfrm>
+      </p:grpSpPr>
+      <p:sp>
+        <p:nvSpPr>
+          <p:cNvPr id="65" name="Google Shape;65;g1e9e77b2279_0_431:notes"/>
+          <p:cNvSpPr>
+            <a:spLocks noGrp="1" noRot="1" noChangeAspect="1"/>
+          </p:cNvSpPr>
+          <p:nvPr>
+            <p:ph type="sldImg" idx="2"/>
+          </p:nvPr>
+        </p:nvSpPr>
+        <p:spPr>
+          <a:xfrm>
+            <a:off x="381000" y="685800"/>
+            <a:ext cx="6096000" cy="3429000"/>
+          </a:xfrm>
+          <a:custGeom>
+            <a:avLst/>
+            <a:gdLst/>
+            <a:ahLst/>
+            <a:cxnLst/>
+            <a:rect l="l" t="t" r="r" b="b"/>
+            <a:pathLst>
+              <a:path w="120000" h="120000" extrusionOk="0">
+                <a:moveTo>
+                  <a:pt x="0" y="0"/>
+                </a:moveTo>
+                <a:lnTo>
+                  <a:pt x="120000" y="0"/>
+                </a:lnTo>
+                <a:lnTo>
+                  <a:pt x="120000" y="120000"/>
+                </a:lnTo>
+                <a:lnTo>
+                  <a:pt x="0" y="120000"/>
+                </a:lnTo>
+                <a:close/>
+              </a:path>
+            </a:pathLst>
+          </a:custGeom>
+        </p:spPr>
+      </p:sp>
+      <p:sp>
+        <p:nvSpPr>
+          <p:cNvPr id="66" name="Google Shape;66;g1e9e77b2279_0_431:notes"/>
+          <p:cNvSpPr txBox="1">
+            <a:spLocks noGrp="1"/>
+          </p:cNvSpPr>
+          <p:nvPr>
+            <p:ph type="body" idx="1"/>
+          </p:nvPr>
+        </p:nvSpPr>
+        <p:spPr>
+          <a:xfrm>
+            <a:off x="685800" y="4343400"/>
+            <a:ext cx="5486400" cy="4114800"/>
+          </a:xfrm>
+          <a:prstGeom prst="rect">
+            <a:avLst/>
+          </a:prstGeom>
+        </p:spPr>
+        <p:txBody>
+          <a:bodyPr spcFirstLastPara="1" wrap="square" lIns="91425" tIns="91425" rIns="91425" bIns="91425" anchor="t" anchorCtr="0">
+            <a:noAutofit/>
+          </a:bodyPr>
+          <a:lstStyle/>
+          <a:p>
+            <a:pPr marL="0" lvl="0" indent="0" algn="l" rtl="0">
+              <a:spcBef>
+                <a:spcPts val="0"/>
+              </a:spcBef>
+              <a:spcAft>
+                <a:spcPts val="0"/>
+              </a:spcAft>
+              <a:buNone/>
+            </a:pPr>
+            <a:endParaRPr/>
+          </a:p>
+        </p:txBody>
+      </p:sp>
+    </p:spTree>
+  </p:cSld>
+  <p:clrMapOvr>
+    <a:masterClrMapping/>
+  </p:clrMapOvr>
+</p:notes>
+</file>
+
+<file path=ppt/notesSlides/notesSlide20.xml><?xml version="1.0" encoding="utf-8"?>
 <p:notes xmlns:a="http://schemas.openxmlformats.org/drawingml/2006/main" xmlns:r="http://schemas.openxmlformats.org/officeDocument/2006/relationships" xmlns:p="http://schemas.openxmlformats.org/presentationml/2006/main" showMasterSp="0" showMasterPhAnim="0">
   <p:cSld>
     <p:spTree>
@@ -2122,7 +2022,7 @@
         </p:nvSpPr>
         <p:spPr>
           <a:xfrm>
-            <a:off x="381300" y="685800"/>
+            <a:off x="381000" y="685800"/>
             <a:ext cx="6096000" cy="3429000"/>
           </a:xfrm>
           <a:custGeom>
@@ -2197,7 +2097,7 @@
 </p:notes>
 </file>
 
-<file path=ppt/notesSlides/notesSlide22.xml><?xml version="1.0" encoding="utf-8"?>
+<file path=ppt/notesSlides/notesSlide21.xml><?xml version="1.0" encoding="utf-8"?>
 <p:notes xmlns:a="http://schemas.openxmlformats.org/drawingml/2006/main" xmlns:r="http://schemas.openxmlformats.org/officeDocument/2006/relationships" xmlns:p="http://schemas.openxmlformats.org/presentationml/2006/main" showMasterSp="0" showMasterPhAnim="0">
   <p:cSld>
     <p:spTree>
@@ -2301,7 +2201,7 @@
 </p:notes>
 </file>
 
-<file path=ppt/notesSlides/notesSlide23.xml><?xml version="1.0" encoding="utf-8"?>
+<file path=ppt/notesSlides/notesSlide22.xml><?xml version="1.0" encoding="utf-8"?>
 <p:notes xmlns:a="http://schemas.openxmlformats.org/drawingml/2006/main" xmlns:r="http://schemas.openxmlformats.org/officeDocument/2006/relationships" xmlns:p="http://schemas.openxmlformats.org/presentationml/2006/main" showMasterSp="0" showMasterPhAnim="0">
   <p:cSld>
     <p:spTree>
@@ -2405,7 +2305,7 @@
 </p:notes>
 </file>
 
-<file path=ppt/notesSlides/notesSlide24.xml><?xml version="1.0" encoding="utf-8"?>
+<file path=ppt/notesSlides/notesSlide23.xml><?xml version="1.0" encoding="utf-8"?>
 <p:notes xmlns:a="http://schemas.openxmlformats.org/drawingml/2006/main" xmlns:r="http://schemas.openxmlformats.org/officeDocument/2006/relationships" xmlns:p="http://schemas.openxmlformats.org/presentationml/2006/main" showMasterSp="0" showMasterPhAnim="0">
   <p:cSld>
     <p:spTree>
@@ -2509,7 +2409,7 @@
 </p:notes>
 </file>
 
-<file path=ppt/notesSlides/notesSlide25.xml><?xml version="1.0" encoding="utf-8"?>
+<file path=ppt/notesSlides/notesSlide24.xml><?xml version="1.0" encoding="utf-8"?>
 <p:notes xmlns:a="http://schemas.openxmlformats.org/drawingml/2006/main" xmlns:r="http://schemas.openxmlformats.org/officeDocument/2006/relationships" xmlns:p="http://schemas.openxmlformats.org/presentationml/2006/main" showMasterSp="0" showMasterPhAnim="0">
   <p:cSld>
     <p:spTree>
@@ -2613,7 +2513,7 @@
 </p:notes>
 </file>
 
-<file path=ppt/notesSlides/notesSlide26.xml><?xml version="1.0" encoding="utf-8"?>
+<file path=ppt/notesSlides/notesSlide25.xml><?xml version="1.0" encoding="utf-8"?>
 <p:notes xmlns:a="http://schemas.openxmlformats.org/drawingml/2006/main" xmlns:r="http://schemas.openxmlformats.org/officeDocument/2006/relationships" xmlns:p="http://schemas.openxmlformats.org/presentationml/2006/main" showMasterSp="0" showMasterPhAnim="0">
   <p:cSld>
     <p:spTree>
@@ -2717,7 +2617,7 @@
 </p:notes>
 </file>
 
-<file path=ppt/notesSlides/notesSlide27.xml><?xml version="1.0" encoding="utf-8"?>
+<file path=ppt/notesSlides/notesSlide26.xml><?xml version="1.0" encoding="utf-8"?>
 <p:notes xmlns:a="http://schemas.openxmlformats.org/drawingml/2006/main" xmlns:r="http://schemas.openxmlformats.org/officeDocument/2006/relationships" xmlns:p="http://schemas.openxmlformats.org/presentationml/2006/main" showMasterSp="0" showMasterPhAnim="0">
   <p:cSld>
     <p:spTree>
@@ -2821,7 +2721,7 @@
 </p:notes>
 </file>
 
-<file path=ppt/notesSlides/notesSlide28.xml><?xml version="1.0" encoding="utf-8"?>
+<file path=ppt/notesSlides/notesSlide27.xml><?xml version="1.0" encoding="utf-8"?>
 <p:notes xmlns:a="http://schemas.openxmlformats.org/drawingml/2006/main" xmlns:r="http://schemas.openxmlformats.org/officeDocument/2006/relationships" xmlns:p="http://schemas.openxmlformats.org/presentationml/2006/main" showMasterSp="0" showMasterPhAnim="0">
   <p:cSld>
     <p:spTree>
@@ -2925,7 +2825,7 @@
 </p:notes>
 </file>
 
-<file path=ppt/notesSlides/notesSlide29.xml><?xml version="1.0" encoding="utf-8"?>
+<file path=ppt/notesSlides/notesSlide28.xml><?xml version="1.0" encoding="utf-8"?>
 <p:notes xmlns:a="http://schemas.openxmlformats.org/drawingml/2006/main" xmlns:r="http://schemas.openxmlformats.org/officeDocument/2006/relationships" xmlns:p="http://schemas.openxmlformats.org/presentationml/2006/main" showMasterSp="0" showMasterPhAnim="0">
   <p:cSld>
     <p:spTree>
@@ -3029,111 +2929,7 @@
 </p:notes>
 </file>
 
-<file path=ppt/notesSlides/notesSlide3.xml><?xml version="1.0" encoding="utf-8"?>
-<p:notes xmlns:a="http://schemas.openxmlformats.org/drawingml/2006/main" xmlns:r="http://schemas.openxmlformats.org/officeDocument/2006/relationships" xmlns:p="http://schemas.openxmlformats.org/presentationml/2006/main" showMasterSp="0" showMasterPhAnim="0">
-  <p:cSld>
-    <p:spTree>
-      <p:nvGrpSpPr>
-        <p:cNvPr id="1" name="Shape 64"/>
-        <p:cNvGrpSpPr/>
-        <p:nvPr/>
-      </p:nvGrpSpPr>
-      <p:grpSpPr>
-        <a:xfrm>
-          <a:off x="0" y="0"/>
-          <a:ext cx="0" cy="0"/>
-          <a:chOff x="0" y="0"/>
-          <a:chExt cx="0" cy="0"/>
-        </a:xfrm>
-      </p:grpSpPr>
-      <p:sp>
-        <p:nvSpPr>
-          <p:cNvPr id="65" name="Google Shape;65;g1e9e77b2279_0_431:notes"/>
-          <p:cNvSpPr>
-            <a:spLocks noGrp="1" noRot="1" noChangeAspect="1"/>
-          </p:cNvSpPr>
-          <p:nvPr>
-            <p:ph type="sldImg" idx="2"/>
-          </p:nvPr>
-        </p:nvSpPr>
-        <p:spPr>
-          <a:xfrm>
-            <a:off x="381300" y="685800"/>
-            <a:ext cx="6096000" cy="3429000"/>
-          </a:xfrm>
-          <a:custGeom>
-            <a:avLst/>
-            <a:gdLst/>
-            <a:ahLst/>
-            <a:cxnLst/>
-            <a:rect l="l" t="t" r="r" b="b"/>
-            <a:pathLst>
-              <a:path w="120000" h="120000" extrusionOk="0">
-                <a:moveTo>
-                  <a:pt x="0" y="0"/>
-                </a:moveTo>
-                <a:lnTo>
-                  <a:pt x="120000" y="0"/>
-                </a:lnTo>
-                <a:lnTo>
-                  <a:pt x="120000" y="120000"/>
-                </a:lnTo>
-                <a:lnTo>
-                  <a:pt x="0" y="120000"/>
-                </a:lnTo>
-                <a:close/>
-              </a:path>
-            </a:pathLst>
-          </a:custGeom>
-        </p:spPr>
-      </p:sp>
-      <p:sp>
-        <p:nvSpPr>
-          <p:cNvPr id="66" name="Google Shape;66;g1e9e77b2279_0_431:notes"/>
-          <p:cNvSpPr txBox="1">
-            <a:spLocks noGrp="1"/>
-          </p:cNvSpPr>
-          <p:nvPr>
-            <p:ph type="body" idx="1"/>
-          </p:nvPr>
-        </p:nvSpPr>
-        <p:spPr>
-          <a:xfrm>
-            <a:off x="685800" y="4343400"/>
-            <a:ext cx="5486400" cy="4114800"/>
-          </a:xfrm>
-          <a:prstGeom prst="rect">
-            <a:avLst/>
-          </a:prstGeom>
-        </p:spPr>
-        <p:txBody>
-          <a:bodyPr spcFirstLastPara="1" wrap="square" lIns="91425" tIns="91425" rIns="91425" bIns="91425" anchor="t" anchorCtr="0">
-            <a:noAutofit/>
-          </a:bodyPr>
-          <a:lstStyle/>
-          <a:p>
-            <a:pPr marL="0" lvl="0" indent="0" algn="l" rtl="0">
-              <a:spcBef>
-                <a:spcPts val="0"/>
-              </a:spcBef>
-              <a:spcAft>
-                <a:spcPts val="0"/>
-              </a:spcAft>
-              <a:buNone/>
-            </a:pPr>
-            <a:endParaRPr/>
-          </a:p>
-        </p:txBody>
-      </p:sp>
-    </p:spTree>
-  </p:cSld>
-  <p:clrMapOvr>
-    <a:masterClrMapping/>
-  </p:clrMapOvr>
-</p:notes>
-</file>
-
-<file path=ppt/notesSlides/notesSlide30.xml><?xml version="1.0" encoding="utf-8"?>
+<file path=ppt/notesSlides/notesSlide29.xml><?xml version="1.0" encoding="utf-8"?>
 <p:notes xmlns:a="http://schemas.openxmlformats.org/drawingml/2006/main" xmlns:r="http://schemas.openxmlformats.org/officeDocument/2006/relationships" xmlns:p="http://schemas.openxmlformats.org/presentationml/2006/main" showMasterSp="0" showMasterPhAnim="0">
   <p:cSld>
     <p:spTree>
@@ -3237,7 +3033,111 @@
 </p:notes>
 </file>
 
-<file path=ppt/notesSlides/notesSlide31.xml><?xml version="1.0" encoding="utf-8"?>
+<file path=ppt/notesSlides/notesSlide3.xml><?xml version="1.0" encoding="utf-8"?>
+<p:notes xmlns:a="http://schemas.openxmlformats.org/drawingml/2006/main" xmlns:r="http://schemas.openxmlformats.org/officeDocument/2006/relationships" xmlns:p="http://schemas.openxmlformats.org/presentationml/2006/main" showMasterSp="0" showMasterPhAnim="0">
+  <p:cSld>
+    <p:spTree>
+      <p:nvGrpSpPr>
+        <p:cNvPr id="1" name="Shape 71"/>
+        <p:cNvGrpSpPr/>
+        <p:nvPr/>
+      </p:nvGrpSpPr>
+      <p:grpSpPr>
+        <a:xfrm>
+          <a:off x="0" y="0"/>
+          <a:ext cx="0" cy="0"/>
+          <a:chOff x="0" y="0"/>
+          <a:chExt cx="0" cy="0"/>
+        </a:xfrm>
+      </p:grpSpPr>
+      <p:sp>
+        <p:nvSpPr>
+          <p:cNvPr id="72" name="Google Shape;72;gccc25b06d2_0_0:notes"/>
+          <p:cNvSpPr>
+            <a:spLocks noGrp="1" noRot="1" noChangeAspect="1"/>
+          </p:cNvSpPr>
+          <p:nvPr>
+            <p:ph type="sldImg" idx="2"/>
+          </p:nvPr>
+        </p:nvSpPr>
+        <p:spPr>
+          <a:xfrm>
+            <a:off x="381000" y="685800"/>
+            <a:ext cx="6096000" cy="3429000"/>
+          </a:xfrm>
+          <a:custGeom>
+            <a:avLst/>
+            <a:gdLst/>
+            <a:ahLst/>
+            <a:cxnLst/>
+            <a:rect l="l" t="t" r="r" b="b"/>
+            <a:pathLst>
+              <a:path w="120000" h="120000" extrusionOk="0">
+                <a:moveTo>
+                  <a:pt x="0" y="0"/>
+                </a:moveTo>
+                <a:lnTo>
+                  <a:pt x="120000" y="0"/>
+                </a:lnTo>
+                <a:lnTo>
+                  <a:pt x="120000" y="120000"/>
+                </a:lnTo>
+                <a:lnTo>
+                  <a:pt x="0" y="120000"/>
+                </a:lnTo>
+                <a:close/>
+              </a:path>
+            </a:pathLst>
+          </a:custGeom>
+        </p:spPr>
+      </p:sp>
+      <p:sp>
+        <p:nvSpPr>
+          <p:cNvPr id="73" name="Google Shape;73;gccc25b06d2_0_0:notes"/>
+          <p:cNvSpPr txBox="1">
+            <a:spLocks noGrp="1"/>
+          </p:cNvSpPr>
+          <p:nvPr>
+            <p:ph type="body" idx="1"/>
+          </p:nvPr>
+        </p:nvSpPr>
+        <p:spPr>
+          <a:xfrm>
+            <a:off x="685800" y="4343400"/>
+            <a:ext cx="5486400" cy="4114800"/>
+          </a:xfrm>
+          <a:prstGeom prst="rect">
+            <a:avLst/>
+          </a:prstGeom>
+        </p:spPr>
+        <p:txBody>
+          <a:bodyPr spcFirstLastPara="1" wrap="square" lIns="91425" tIns="91425" rIns="91425" bIns="91425" anchor="t" anchorCtr="0">
+            <a:noAutofit/>
+          </a:bodyPr>
+          <a:lstStyle/>
+          <a:p>
+            <a:pPr marL="0" lvl="0" indent="0" algn="l" rtl="0">
+              <a:spcBef>
+                <a:spcPts val="0"/>
+              </a:spcBef>
+              <a:spcAft>
+                <a:spcPts val="0"/>
+              </a:spcAft>
+              <a:buNone/>
+            </a:pPr>
+            <a:endParaRPr/>
+          </a:p>
+        </p:txBody>
+      </p:sp>
+    </p:spTree>
+  </p:cSld>
+  <p:clrMapOvr>
+    <a:masterClrMapping/>
+  </p:clrMapOvr>
+</p:notes>
+</file>
+
+<file path=ppt/notesSlides/notesSlide30.xml><?xml version="1.0" encoding="utf-8"?>
 <p:notes xmlns:a="http://schemas.openxmlformats.org/drawingml/2006/main" xmlns:r="http://schemas.openxmlformats.org/officeDocument/2006/relationships" xmlns:p="http://schemas.openxmlformats.org/presentationml/2006/main" showMasterSp="0" showMasterPhAnim="0">
   <p:cSld>
     <p:spTree>
@@ -3341,7 +3241,7 @@
 </p:notes>
 </file>
 
-<file path=ppt/notesSlides/notesSlide32.xml><?xml version="1.0" encoding="utf-8"?>
+<file path=ppt/notesSlides/notesSlide31.xml><?xml version="1.0" encoding="utf-8"?>
 <p:notes xmlns:a="http://schemas.openxmlformats.org/drawingml/2006/main" xmlns:r="http://schemas.openxmlformats.org/officeDocument/2006/relationships" xmlns:p="http://schemas.openxmlformats.org/presentationml/2006/main" showMasterSp="0" showMasterPhAnim="0">
   <p:cSld>
     <p:spTree>
@@ -3445,7 +3345,7 @@
 </p:notes>
 </file>
 
-<file path=ppt/notesSlides/notesSlide33.xml><?xml version="1.0" encoding="utf-8"?>
+<file path=ppt/notesSlides/notesSlide32.xml><?xml version="1.0" encoding="utf-8"?>
 <p:notes xmlns:a="http://schemas.openxmlformats.org/drawingml/2006/main" xmlns:r="http://schemas.openxmlformats.org/officeDocument/2006/relationships" xmlns:p="http://schemas.openxmlformats.org/presentationml/2006/main" showMasterSp="0" showMasterPhAnim="0">
   <p:cSld>
     <p:spTree>
@@ -3549,7 +3449,7 @@
 </p:notes>
 </file>
 
-<file path=ppt/notesSlides/notesSlide34.xml><?xml version="1.0" encoding="utf-8"?>
+<file path=ppt/notesSlides/notesSlide33.xml><?xml version="1.0" encoding="utf-8"?>
 <p:notes xmlns:a="http://schemas.openxmlformats.org/drawingml/2006/main" xmlns:r="http://schemas.openxmlformats.org/officeDocument/2006/relationships" xmlns:p="http://schemas.openxmlformats.org/presentationml/2006/main" showMasterSp="0" showMasterPhAnim="0">
   <p:cSld>
     <p:spTree>
@@ -3658,110 +3558,6 @@
   <p:cSld>
     <p:spTree>
       <p:nvGrpSpPr>
-        <p:cNvPr id="1" name="Shape 71"/>
-        <p:cNvGrpSpPr/>
-        <p:nvPr/>
-      </p:nvGrpSpPr>
-      <p:grpSpPr>
-        <a:xfrm>
-          <a:off x="0" y="0"/>
-          <a:ext cx="0" cy="0"/>
-          <a:chOff x="0" y="0"/>
-          <a:chExt cx="0" cy="0"/>
-        </a:xfrm>
-      </p:grpSpPr>
-      <p:sp>
-        <p:nvSpPr>
-          <p:cNvPr id="72" name="Google Shape;72;gccc25b06d2_0_0:notes"/>
-          <p:cNvSpPr>
-            <a:spLocks noGrp="1" noRot="1" noChangeAspect="1"/>
-          </p:cNvSpPr>
-          <p:nvPr>
-            <p:ph type="sldImg" idx="2"/>
-          </p:nvPr>
-        </p:nvSpPr>
-        <p:spPr>
-          <a:xfrm>
-            <a:off x="381300" y="685800"/>
-            <a:ext cx="6096000" cy="3429000"/>
-          </a:xfrm>
-          <a:custGeom>
-            <a:avLst/>
-            <a:gdLst/>
-            <a:ahLst/>
-            <a:cxnLst/>
-            <a:rect l="l" t="t" r="r" b="b"/>
-            <a:pathLst>
-              <a:path w="120000" h="120000" extrusionOk="0">
-                <a:moveTo>
-                  <a:pt x="0" y="0"/>
-                </a:moveTo>
-                <a:lnTo>
-                  <a:pt x="120000" y="0"/>
-                </a:lnTo>
-                <a:lnTo>
-                  <a:pt x="120000" y="120000"/>
-                </a:lnTo>
-                <a:lnTo>
-                  <a:pt x="0" y="120000"/>
-                </a:lnTo>
-                <a:close/>
-              </a:path>
-            </a:pathLst>
-          </a:custGeom>
-        </p:spPr>
-      </p:sp>
-      <p:sp>
-        <p:nvSpPr>
-          <p:cNvPr id="73" name="Google Shape;73;gccc25b06d2_0_0:notes"/>
-          <p:cNvSpPr txBox="1">
-            <a:spLocks noGrp="1"/>
-          </p:cNvSpPr>
-          <p:nvPr>
-            <p:ph type="body" idx="1"/>
-          </p:nvPr>
-        </p:nvSpPr>
-        <p:spPr>
-          <a:xfrm>
-            <a:off x="685800" y="4343400"/>
-            <a:ext cx="5486400" cy="4114800"/>
-          </a:xfrm>
-          <a:prstGeom prst="rect">
-            <a:avLst/>
-          </a:prstGeom>
-        </p:spPr>
-        <p:txBody>
-          <a:bodyPr spcFirstLastPara="1" wrap="square" lIns="91425" tIns="91425" rIns="91425" bIns="91425" anchor="t" anchorCtr="0">
-            <a:noAutofit/>
-          </a:bodyPr>
-          <a:lstStyle/>
-          <a:p>
-            <a:pPr marL="0" lvl="0" indent="0" algn="l" rtl="0">
-              <a:spcBef>
-                <a:spcPts val="0"/>
-              </a:spcBef>
-              <a:spcAft>
-                <a:spcPts val="0"/>
-              </a:spcAft>
-              <a:buNone/>
-            </a:pPr>
-            <a:endParaRPr/>
-          </a:p>
-        </p:txBody>
-      </p:sp>
-    </p:spTree>
-  </p:cSld>
-  <p:clrMapOvr>
-    <a:masterClrMapping/>
-  </p:clrMapOvr>
-</p:notes>
-</file>
-
-<file path=ppt/notesSlides/notesSlide5.xml><?xml version="1.0" encoding="utf-8"?>
-<p:notes xmlns:a="http://schemas.openxmlformats.org/drawingml/2006/main" xmlns:r="http://schemas.openxmlformats.org/officeDocument/2006/relationships" xmlns:p="http://schemas.openxmlformats.org/presentationml/2006/main" showMasterSp="0" showMasterPhAnim="0">
-  <p:cSld>
-    <p:spTree>
-      <p:nvGrpSpPr>
         <p:cNvPr id="1" name="Shape 78"/>
         <p:cNvGrpSpPr/>
         <p:nvPr/>
@@ -3786,7 +3582,7 @@
         </p:nvSpPr>
         <p:spPr>
           <a:xfrm>
-            <a:off x="381300" y="685800"/>
+            <a:off x="381000" y="685800"/>
             <a:ext cx="6096000" cy="3429000"/>
           </a:xfrm>
           <a:custGeom>
@@ -3861,7 +3657,7 @@
 </p:notes>
 </file>
 
-<file path=ppt/notesSlides/notesSlide6.xml><?xml version="1.0" encoding="utf-8"?>
+<file path=ppt/notesSlides/notesSlide5.xml><?xml version="1.0" encoding="utf-8"?>
 <p:notes xmlns:a="http://schemas.openxmlformats.org/drawingml/2006/main" xmlns:r="http://schemas.openxmlformats.org/officeDocument/2006/relationships" xmlns:p="http://schemas.openxmlformats.org/presentationml/2006/main" showMasterSp="0" showMasterPhAnim="0">
   <p:cSld>
     <p:spTree>
@@ -3965,7 +3761,7 @@
 </p:notes>
 </file>
 
-<file path=ppt/notesSlides/notesSlide7.xml><?xml version="1.0" encoding="utf-8"?>
+<file path=ppt/notesSlides/notesSlide6.xml><?xml version="1.0" encoding="utf-8"?>
 <p:notes xmlns:a="http://schemas.openxmlformats.org/drawingml/2006/main" xmlns:r="http://schemas.openxmlformats.org/officeDocument/2006/relationships" xmlns:p="http://schemas.openxmlformats.org/presentationml/2006/main" showMasterSp="0" showMasterPhAnim="0">
   <p:cSld>
     <p:spTree>
@@ -4069,7 +3865,7 @@
 </p:notes>
 </file>
 
-<file path=ppt/notesSlides/notesSlide8.xml><?xml version="1.0" encoding="utf-8"?>
+<file path=ppt/notesSlides/notesSlide7.xml><?xml version="1.0" encoding="utf-8"?>
 <p:notes xmlns:a="http://schemas.openxmlformats.org/drawingml/2006/main" xmlns:r="http://schemas.openxmlformats.org/officeDocument/2006/relationships" xmlns:p="http://schemas.openxmlformats.org/presentationml/2006/main" showMasterSp="0" showMasterPhAnim="0">
   <p:cSld>
     <p:spTree>
@@ -4098,7 +3894,7 @@
         </p:nvSpPr>
         <p:spPr>
           <a:xfrm>
-            <a:off x="381300" y="685800"/>
+            <a:off x="381000" y="685800"/>
             <a:ext cx="6096000" cy="3429000"/>
           </a:xfrm>
           <a:custGeom>
@@ -4173,7 +3969,7 @@
 </p:notes>
 </file>
 
-<file path=ppt/notesSlides/notesSlide9.xml><?xml version="1.0" encoding="utf-8"?>
+<file path=ppt/notesSlides/notesSlide8.xml><?xml version="1.0" encoding="utf-8"?>
 <p:notes xmlns:a="http://schemas.openxmlformats.org/drawingml/2006/main" xmlns:r="http://schemas.openxmlformats.org/officeDocument/2006/relationships" xmlns:p="http://schemas.openxmlformats.org/presentationml/2006/main" showMasterSp="0" showMasterPhAnim="0">
   <p:cSld>
     <p:spTree>
@@ -4234,6 +4030,110 @@
       <p:sp>
         <p:nvSpPr>
           <p:cNvPr id="106" name="Google Shape;106;g1e9e77b2279_0_249:notes"/>
+          <p:cNvSpPr txBox="1">
+            <a:spLocks noGrp="1"/>
+          </p:cNvSpPr>
+          <p:nvPr>
+            <p:ph type="body" idx="1"/>
+          </p:nvPr>
+        </p:nvSpPr>
+        <p:spPr>
+          <a:xfrm>
+            <a:off x="685800" y="4343400"/>
+            <a:ext cx="5486400" cy="4114800"/>
+          </a:xfrm>
+          <a:prstGeom prst="rect">
+            <a:avLst/>
+          </a:prstGeom>
+        </p:spPr>
+        <p:txBody>
+          <a:bodyPr spcFirstLastPara="1" wrap="square" lIns="91425" tIns="91425" rIns="91425" bIns="91425" anchor="t" anchorCtr="0">
+            <a:noAutofit/>
+          </a:bodyPr>
+          <a:lstStyle/>
+          <a:p>
+            <a:pPr marL="0" lvl="0" indent="0" algn="l" rtl="0">
+              <a:spcBef>
+                <a:spcPts val="0"/>
+              </a:spcBef>
+              <a:spcAft>
+                <a:spcPts val="0"/>
+              </a:spcAft>
+              <a:buNone/>
+            </a:pPr>
+            <a:endParaRPr/>
+          </a:p>
+        </p:txBody>
+      </p:sp>
+    </p:spTree>
+  </p:cSld>
+  <p:clrMapOvr>
+    <a:masterClrMapping/>
+  </p:clrMapOvr>
+</p:notes>
+</file>
+
+<file path=ppt/notesSlides/notesSlide9.xml><?xml version="1.0" encoding="utf-8"?>
+<p:notes xmlns:a="http://schemas.openxmlformats.org/drawingml/2006/main" xmlns:r="http://schemas.openxmlformats.org/officeDocument/2006/relationships" xmlns:p="http://schemas.openxmlformats.org/presentationml/2006/main" showMasterSp="0" showMasterPhAnim="0">
+  <p:cSld>
+    <p:spTree>
+      <p:nvGrpSpPr>
+        <p:cNvPr id="1" name="Shape 110"/>
+        <p:cNvGrpSpPr/>
+        <p:nvPr/>
+      </p:nvGrpSpPr>
+      <p:grpSpPr>
+        <a:xfrm>
+          <a:off x="0" y="0"/>
+          <a:ext cx="0" cy="0"/>
+          <a:chOff x="0" y="0"/>
+          <a:chExt cx="0" cy="0"/>
+        </a:xfrm>
+      </p:grpSpPr>
+      <p:sp>
+        <p:nvSpPr>
+          <p:cNvPr id="111" name="Google Shape;111;g1e9e77b2279_0_254:notes"/>
+          <p:cNvSpPr>
+            <a:spLocks noGrp="1" noRot="1" noChangeAspect="1"/>
+          </p:cNvSpPr>
+          <p:nvPr>
+            <p:ph type="sldImg" idx="2"/>
+          </p:nvPr>
+        </p:nvSpPr>
+        <p:spPr>
+          <a:xfrm>
+            <a:off x="381300" y="685800"/>
+            <a:ext cx="6096000" cy="3429000"/>
+          </a:xfrm>
+          <a:custGeom>
+            <a:avLst/>
+            <a:gdLst/>
+            <a:ahLst/>
+            <a:cxnLst/>
+            <a:rect l="l" t="t" r="r" b="b"/>
+            <a:pathLst>
+              <a:path w="120000" h="120000" extrusionOk="0">
+                <a:moveTo>
+                  <a:pt x="0" y="0"/>
+                </a:moveTo>
+                <a:lnTo>
+                  <a:pt x="120000" y="0"/>
+                </a:lnTo>
+                <a:lnTo>
+                  <a:pt x="120000" y="120000"/>
+                </a:lnTo>
+                <a:lnTo>
+                  <a:pt x="0" y="120000"/>
+                </a:lnTo>
+                <a:close/>
+              </a:path>
+            </a:pathLst>
+          </a:custGeom>
+        </p:spPr>
+      </p:sp>
+      <p:sp>
+        <p:nvSpPr>
+          <p:cNvPr id="112" name="Google Shape;112;g1e9e77b2279_0_254:notes"/>
           <p:cNvSpPr txBox="1">
             <a:spLocks noGrp="1"/>
           </p:cNvSpPr>
@@ -9257,363 +9157,6 @@
   <p:cSld>
     <p:spTree>
       <p:nvGrpSpPr>
-        <p:cNvPr id="1" name="Shape 113"/>
-        <p:cNvGrpSpPr/>
-        <p:nvPr/>
-      </p:nvGrpSpPr>
-      <p:grpSpPr>
-        <a:xfrm>
-          <a:off x="0" y="0"/>
-          <a:ext cx="0" cy="0"/>
-          <a:chOff x="0" y="0"/>
-          <a:chExt cx="0" cy="0"/>
-        </a:xfrm>
-      </p:grpSpPr>
-      <p:sp>
-        <p:nvSpPr>
-          <p:cNvPr id="114" name="Google Shape;114;p22"/>
-          <p:cNvSpPr txBox="1">
-            <a:spLocks noGrp="1"/>
-          </p:cNvSpPr>
-          <p:nvPr>
-            <p:ph type="body" idx="1"/>
-          </p:nvPr>
-        </p:nvSpPr>
-        <p:spPr>
-          <a:xfrm>
-            <a:off x="311700" y="1152475"/>
-            <a:ext cx="8520600" cy="3637200"/>
-          </a:xfrm>
-          <a:prstGeom prst="rect">
-            <a:avLst/>
-          </a:prstGeom>
-        </p:spPr>
-        <p:txBody>
-          <a:bodyPr spcFirstLastPara="1" wrap="square" lIns="91425" tIns="91425" rIns="91425" bIns="91425" anchor="t" anchorCtr="0">
-            <a:normAutofit/>
-          </a:bodyPr>
-          <a:lstStyle/>
-          <a:p>
-            <a:pPr marL="457200" lvl="0" indent="-342900" algn="l" rtl="0">
-              <a:spcBef>
-                <a:spcPts val="0"/>
-              </a:spcBef>
-              <a:spcAft>
-                <a:spcPts val="0"/>
-              </a:spcAft>
-              <a:buSzPts val="1800"/>
-              <a:buChar char="●"/>
-            </a:pPr>
-            <a:r>
-              <a:rPr lang="en"/>
-              <a:t>Refers to the rules that servers and browsers must follow to in order to transfer web files over the Internet.</a:t>
-            </a:r>
-            <a:endParaRPr/>
-          </a:p>
-          <a:p>
-            <a:pPr marL="457200" lvl="0" indent="-342900" algn="l" rtl="0">
-              <a:spcBef>
-                <a:spcPts val="1000"/>
-              </a:spcBef>
-              <a:spcAft>
-                <a:spcPts val="0"/>
-              </a:spcAft>
-              <a:buSzPts val="1800"/>
-              <a:buChar char="●"/>
-            </a:pPr>
-            <a:r>
-              <a:rPr lang="en"/>
-              <a:t>HTTP allows (authorized) users to create, update, or delete resources on a web server</a:t>
-            </a:r>
-            <a:endParaRPr/>
-          </a:p>
-          <a:p>
-            <a:pPr marL="457200" lvl="0" indent="-342900" algn="l" rtl="0">
-              <a:spcBef>
-                <a:spcPts val="1000"/>
-              </a:spcBef>
-              <a:spcAft>
-                <a:spcPts val="0"/>
-              </a:spcAft>
-              <a:buSzPts val="1800"/>
-              <a:buChar char="●"/>
-            </a:pPr>
-            <a:r>
-              <a:rPr lang="en"/>
-              <a:t>HTTPS adds encryption and verification to the data transmission process</a:t>
-            </a:r>
-            <a:endParaRPr/>
-          </a:p>
-        </p:txBody>
-      </p:sp>
-      <p:sp>
-        <p:nvSpPr>
-          <p:cNvPr id="115" name="Google Shape;115;p22"/>
-          <p:cNvSpPr txBox="1">
-            <a:spLocks noGrp="1"/>
-          </p:cNvSpPr>
-          <p:nvPr>
-            <p:ph type="title"/>
-          </p:nvPr>
-        </p:nvSpPr>
-        <p:spPr>
-          <a:xfrm>
-            <a:off x="311700" y="445025"/>
-            <a:ext cx="8520600" cy="572700"/>
-          </a:xfrm>
-          <a:prstGeom prst="rect">
-            <a:avLst/>
-          </a:prstGeom>
-        </p:spPr>
-        <p:txBody>
-          <a:bodyPr spcFirstLastPara="1" wrap="square" lIns="91425" tIns="91425" rIns="91425" bIns="91425" anchor="t" anchorCtr="0">
-            <a:normAutofit fontScale="90000"/>
-          </a:bodyPr>
-          <a:lstStyle/>
-          <a:p>
-            <a:pPr marL="0" lvl="0" indent="0" algn="l" rtl="0">
-              <a:spcBef>
-                <a:spcPts val="0"/>
-              </a:spcBef>
-              <a:spcAft>
-                <a:spcPts val="0"/>
-              </a:spcAft>
-              <a:buNone/>
-            </a:pPr>
-            <a:r>
-              <a:rPr lang="en"/>
-              <a:t>What is HTTP (Hypertext Transfer Protocol)?</a:t>
-            </a:r>
-            <a:endParaRPr/>
-          </a:p>
-        </p:txBody>
-      </p:sp>
-    </p:spTree>
-  </p:cSld>
-  <p:clrMapOvr>
-    <a:masterClrMapping/>
-  </p:clrMapOvr>
-  <p:timing>
-    <p:tnLst>
-      <p:par>
-        <p:cTn id="1" dur="indefinite" restart="never" nodeType="tmRoot">
-          <p:childTnLst>
-            <p:seq concurrent="1" nextAc="seek">
-              <p:cTn id="2" dur="indefinite" nodeType="mainSeq">
-                <p:childTnLst>
-                  <p:par>
-                    <p:cTn id="3" fill="hold">
-                      <p:stCondLst>
-                        <p:cond delay="indefinite"/>
-                      </p:stCondLst>
-                      <p:childTnLst>
-                        <p:par>
-                          <p:cTn id="4" fill="hold">
-                            <p:stCondLst>
-                              <p:cond delay="0"/>
-                            </p:stCondLst>
-                            <p:childTnLst>
-                              <p:par>
-                                <p:cTn id="5" presetID="10" presetClass="entr" presetSubtype="0" fill="hold" nodeType="clickEffect">
-                                  <p:stCondLst>
-                                    <p:cond delay="0"/>
-                                  </p:stCondLst>
-                                  <p:childTnLst>
-                                    <p:set>
-                                      <p:cBhvr>
-                                        <p:cTn id="6" dur="1" fill="hold">
-                                          <p:stCondLst>
-                                            <p:cond delay="0"/>
-                                          </p:stCondLst>
-                                        </p:cTn>
-                                        <p:tgtEl>
-                                          <p:spTgt spid="114">
-                                            <p:txEl>
-                                              <p:pRg st="0" end="0"/>
-                                            </p:txEl>
-                                          </p:spTgt>
-                                        </p:tgtEl>
-                                        <p:attrNameLst>
-                                          <p:attrName>style.visibility</p:attrName>
-                                        </p:attrNameLst>
-                                      </p:cBhvr>
-                                      <p:to>
-                                        <p:strVal val="visible"/>
-                                      </p:to>
-                                    </p:set>
-                                    <p:animEffect transition="in" filter="fade">
-                                      <p:cBhvr>
-                                        <p:cTn id="7" dur="1"/>
-                                        <p:tgtEl>
-                                          <p:spTgt spid="114">
-                                            <p:txEl>
-                                              <p:pRg st="0" end="0"/>
-                                            </p:txEl>
-                                          </p:spTgt>
-                                        </p:tgtEl>
-                                      </p:cBhvr>
-                                    </p:animEffect>
-                                  </p:childTnLst>
-                                </p:cTn>
-                              </p:par>
-                            </p:childTnLst>
-                          </p:cTn>
-                        </p:par>
-                      </p:childTnLst>
-                    </p:cTn>
-                  </p:par>
-                  <p:par>
-                    <p:cTn id="8" fill="hold">
-                      <p:stCondLst>
-                        <p:cond delay="indefinite"/>
-                      </p:stCondLst>
-                      <p:childTnLst>
-                        <p:par>
-                          <p:cTn id="9" fill="hold">
-                            <p:stCondLst>
-                              <p:cond delay="0"/>
-                            </p:stCondLst>
-                            <p:childTnLst>
-                              <p:par>
-                                <p:cTn id="10" presetID="10" presetClass="entr" presetSubtype="0" fill="hold" nodeType="clickEffect">
-                                  <p:stCondLst>
-                                    <p:cond delay="0"/>
-                                  </p:stCondLst>
-                                  <p:childTnLst>
-                                    <p:set>
-                                      <p:cBhvr>
-                                        <p:cTn id="11" dur="1" fill="hold">
-                                          <p:stCondLst>
-                                            <p:cond delay="0"/>
-                                          </p:stCondLst>
-                                        </p:cTn>
-                                        <p:tgtEl>
-                                          <p:spTgt spid="114">
-                                            <p:txEl>
-                                              <p:pRg st="1" end="1"/>
-                                            </p:txEl>
-                                          </p:spTgt>
-                                        </p:tgtEl>
-                                        <p:attrNameLst>
-                                          <p:attrName>style.visibility</p:attrName>
-                                        </p:attrNameLst>
-                                      </p:cBhvr>
-                                      <p:to>
-                                        <p:strVal val="visible"/>
-                                      </p:to>
-                                    </p:set>
-                                    <p:animEffect transition="in" filter="fade">
-                                      <p:cBhvr>
-                                        <p:cTn id="12" dur="1"/>
-                                        <p:tgtEl>
-                                          <p:spTgt spid="114">
-                                            <p:txEl>
-                                              <p:pRg st="1" end="1"/>
-                                            </p:txEl>
-                                          </p:spTgt>
-                                        </p:tgtEl>
-                                      </p:cBhvr>
-                                    </p:animEffect>
-                                  </p:childTnLst>
-                                </p:cTn>
-                              </p:par>
-                            </p:childTnLst>
-                          </p:cTn>
-                        </p:par>
-                      </p:childTnLst>
-                    </p:cTn>
-                  </p:par>
-                  <p:par>
-                    <p:cTn id="13" fill="hold">
-                      <p:stCondLst>
-                        <p:cond delay="indefinite"/>
-                      </p:stCondLst>
-                      <p:childTnLst>
-                        <p:par>
-                          <p:cTn id="14" fill="hold">
-                            <p:stCondLst>
-                              <p:cond delay="0"/>
-                            </p:stCondLst>
-                            <p:childTnLst>
-                              <p:par>
-                                <p:cTn id="15" presetID="10" presetClass="entr" presetSubtype="0" fill="hold" nodeType="clickEffect">
-                                  <p:stCondLst>
-                                    <p:cond delay="0"/>
-                                  </p:stCondLst>
-                                  <p:childTnLst>
-                                    <p:set>
-                                      <p:cBhvr>
-                                        <p:cTn id="16" dur="1" fill="hold">
-                                          <p:stCondLst>
-                                            <p:cond delay="0"/>
-                                          </p:stCondLst>
-                                        </p:cTn>
-                                        <p:tgtEl>
-                                          <p:spTgt spid="114">
-                                            <p:txEl>
-                                              <p:pRg st="2" end="2"/>
-                                            </p:txEl>
-                                          </p:spTgt>
-                                        </p:tgtEl>
-                                        <p:attrNameLst>
-                                          <p:attrName>style.visibility</p:attrName>
-                                        </p:attrNameLst>
-                                      </p:cBhvr>
-                                      <p:to>
-                                        <p:strVal val="visible"/>
-                                      </p:to>
-                                    </p:set>
-                                    <p:animEffect transition="in" filter="fade">
-                                      <p:cBhvr>
-                                        <p:cTn id="17" dur="1"/>
-                                        <p:tgtEl>
-                                          <p:spTgt spid="114">
-                                            <p:txEl>
-                                              <p:pRg st="2" end="2"/>
-                                            </p:txEl>
-                                          </p:spTgt>
-                                        </p:tgtEl>
-                                      </p:cBhvr>
-                                    </p:animEffect>
-                                  </p:childTnLst>
-                                </p:cTn>
-                              </p:par>
-                            </p:childTnLst>
-                          </p:cTn>
-                        </p:par>
-                      </p:childTnLst>
-                    </p:cTn>
-                  </p:par>
-                </p:childTnLst>
-              </p:cTn>
-              <p:prevCondLst>
-                <p:cond evt="onPrev" delay="0">
-                  <p:tgtEl>
-                    <p:sldTgt/>
-                  </p:tgtEl>
-                </p:cond>
-              </p:prevCondLst>
-              <p:nextCondLst>
-                <p:cond evt="onNext" delay="0">
-                  <p:tgtEl>
-                    <p:sldTgt/>
-                  </p:tgtEl>
-                </p:cond>
-              </p:nextCondLst>
-            </p:seq>
-          </p:childTnLst>
-        </p:cTn>
-      </p:par>
-    </p:tnLst>
-  </p:timing>
-</p:sld>
-</file>
-
-<file path=ppt/slides/slide11.xml><?xml version="1.0" encoding="utf-8"?>
-<p:sld xmlns:a="http://schemas.openxmlformats.org/drawingml/2006/main" xmlns:r="http://schemas.openxmlformats.org/officeDocument/2006/relationships" xmlns:p="http://schemas.openxmlformats.org/presentationml/2006/main">
-  <p:cSld>
-    <p:spTree>
-      <p:nvGrpSpPr>
         <p:cNvPr id="1" name="Shape 119"/>
         <p:cNvGrpSpPr/>
         <p:nvPr/>
@@ -10198,7 +9741,7 @@
 </p:sld>
 </file>
 
-<file path=ppt/slides/slide12.xml><?xml version="1.0" encoding="utf-8"?>
+<file path=ppt/slides/slide11.xml><?xml version="1.0" encoding="utf-8"?>
 <p:sld xmlns:a="http://schemas.openxmlformats.org/drawingml/2006/main" xmlns:r="http://schemas.openxmlformats.org/officeDocument/2006/relationships" xmlns:p="http://schemas.openxmlformats.org/presentationml/2006/main">
   <p:cSld>
     <p:spTree>
@@ -10793,7 +10336,7 @@
 </p:sld>
 </file>
 
-<file path=ppt/slides/slide13.xml><?xml version="1.0" encoding="utf-8"?>
+<file path=ppt/slides/slide12.xml><?xml version="1.0" encoding="utf-8"?>
 <p:sld xmlns:a="http://schemas.openxmlformats.org/drawingml/2006/main" xmlns:r="http://schemas.openxmlformats.org/officeDocument/2006/relationships" xmlns:p="http://schemas.openxmlformats.org/presentationml/2006/main">
   <p:cSld>
     <p:spTree>
@@ -10846,11 +10389,11 @@
               <a:buChar char="●"/>
             </a:pPr>
             <a:r>
-              <a:rPr lang="en"/>
+              <a:rPr lang="en" dirty="0"/>
               <a:t>An IP address is </a:t>
             </a:r>
             <a:r>
-              <a:rPr lang="en" b="1">
+              <a:rPr lang="en" b="1" dirty="0">
                 <a:solidFill>
                   <a:schemeClr val="accent1"/>
                 </a:solidFill>
@@ -10858,10 +10401,10 @@
               <a:t>network address</a:t>
             </a:r>
             <a:r>
-              <a:rPr lang="en"/>
+              <a:rPr lang="en" dirty="0"/>
               <a:t> for your computer so the Internet knows where to send you emails, data and pictures of cats</a:t>
             </a:r>
-            <a:endParaRPr/>
+            <a:endParaRPr dirty="0"/>
           </a:p>
           <a:p>
             <a:pPr marL="457200" lvl="0" indent="-342900" algn="l" rtl="0">
@@ -10875,66 +10418,66 @@
               <a:buChar char="●"/>
             </a:pPr>
             <a:r>
-              <a:rPr lang="en"/>
+              <a:rPr lang="en" dirty="0"/>
               <a:t>The </a:t>
             </a:r>
             <a:r>
-              <a:rPr lang="en" b="1"/>
+              <a:rPr lang="en" b="1" dirty="0"/>
               <a:t>IANA</a:t>
             </a:r>
             <a:r>
-              <a:rPr lang="en"/>
+              <a:rPr lang="en" dirty="0"/>
               <a:t> allocates IP address blocks to regional Internet registries (RIRs). Today, there are five RIRs – </a:t>
             </a:r>
             <a:r>
-              <a:rPr lang="en" b="1"/>
+              <a:rPr lang="en" b="1" dirty="0"/>
               <a:t>APNIC</a:t>
             </a:r>
             <a:r>
-              <a:rPr lang="en"/>
+              <a:rPr lang="en" dirty="0"/>
               <a:t>, </a:t>
             </a:r>
             <a:r>
-              <a:rPr lang="en" b="1"/>
+              <a:rPr lang="en" b="1" dirty="0"/>
               <a:t>ARIN</a:t>
             </a:r>
             <a:r>
-              <a:rPr lang="en"/>
+              <a:rPr lang="en" dirty="0"/>
               <a:t>, </a:t>
             </a:r>
             <a:r>
-              <a:rPr lang="en" b="1"/>
+              <a:rPr lang="en" b="1" dirty="0"/>
               <a:t>RIPE</a:t>
             </a:r>
             <a:r>
-              <a:rPr lang="en"/>
+              <a:rPr lang="en" dirty="0"/>
               <a:t> </a:t>
             </a:r>
             <a:r>
-              <a:rPr lang="en" b="1"/>
+              <a:rPr lang="en" b="1" dirty="0"/>
               <a:t>NCC</a:t>
             </a:r>
             <a:r>
-              <a:rPr lang="en"/>
+              <a:rPr lang="en" dirty="0"/>
               <a:t>, </a:t>
             </a:r>
             <a:r>
-              <a:rPr lang="en" b="1"/>
+              <a:rPr lang="en" b="1" dirty="0"/>
               <a:t>LACNIC</a:t>
             </a:r>
             <a:r>
-              <a:rPr lang="en"/>
+              <a:rPr lang="en" dirty="0"/>
               <a:t> and </a:t>
             </a:r>
             <a:r>
-              <a:rPr lang="en" b="1"/>
+              <a:rPr lang="en" b="1" dirty="0"/>
               <a:t>AFRINIC</a:t>
             </a:r>
             <a:r>
-              <a:rPr lang="en"/>
+              <a:rPr lang="en" dirty="0"/>
               <a:t> that are responsible for all continents. These are then divided into smaller sub-blocks and assigned to individuals and institutions</a:t>
             </a:r>
-            <a:endParaRPr/>
+            <a:endParaRPr dirty="0"/>
           </a:p>
           <a:p>
             <a:pPr marL="457200" lvl="0" indent="-342900" algn="l" rtl="0">
@@ -10948,26 +10491,13 @@
               <a:buChar char="●"/>
             </a:pPr>
             <a:r>
-              <a:rPr lang="en"/>
-              <a:t>We have already run out of IP addresses (e.g. 66.171.248.170), and so we’re now in the process of transitioning to IPv6. A </a:t>
-            </a:r>
-            <a:r>
-              <a:rPr lang="en" u="sng">
-                <a:solidFill>
-                  <a:schemeClr val="hlink"/>
-                </a:solidFill>
-                <a:hlinkClick r:id="rId3"/>
-              </a:rPr>
-              <a:t>slow process of adoption</a:t>
-            </a:r>
-            <a:r>
-              <a:rPr lang="en"/>
-              <a:t>. </a:t>
+              <a:rPr lang="en" dirty="0"/>
+              <a:t>We have already run out of IP addresses (e.g. 66.171.248.170), and so we’re now in the process of transitioning to IPv6. A slow process of adoption.</a:t>
             </a:r>
             <a:br>
-              <a:rPr lang="en"/>
+              <a:rPr lang="en" dirty="0"/>
             </a:br>
-            <a:endParaRPr/>
+            <a:endParaRPr dirty="0"/>
           </a:p>
         </p:txBody>
       </p:sp>
@@ -11048,7 +10578,7 @@
               <a:buNone/>
             </a:pPr>
             <a:r>
-              <a:rPr lang="en" sz="1300">
+              <a:rPr lang="en" sz="1300" dirty="0">
                 <a:latin typeface="Montserrat"/>
                 <a:ea typeface="Montserrat"/>
                 <a:cs typeface="Montserrat"/>
@@ -11057,7 +10587,7 @@
               <a:t>Source: </a:t>
             </a:r>
             <a:r>
-              <a:rPr lang="en" sz="1300" u="sng">
+              <a:rPr lang="en" sz="1300" u="sng" dirty="0">
                 <a:solidFill>
                   <a:schemeClr val="hlink"/>
                 </a:solidFill>
@@ -11065,12 +10595,12 @@
                 <a:ea typeface="Montserrat"/>
                 <a:cs typeface="Montserrat"/>
                 <a:sym typeface="Montserrat"/>
-                <a:hlinkClick r:id="rId4"/>
+                <a:hlinkClick r:id="rId3"/>
               </a:rPr>
               <a:t>https://blog.ip2location.com/knowledge-base/study-of-ipv4-address-allocation-by-continents/</a:t>
             </a:r>
             <a:r>
-              <a:rPr lang="en" sz="1300">
+              <a:rPr lang="en" sz="1300" dirty="0">
                 <a:latin typeface="Montserrat"/>
                 <a:ea typeface="Montserrat"/>
                 <a:cs typeface="Montserrat"/>
@@ -11078,7 +10608,7 @@
               </a:rPr>
               <a:t> </a:t>
             </a:r>
-            <a:endParaRPr sz="1300">
+            <a:endParaRPr sz="1300" dirty="0">
               <a:latin typeface="Montserrat"/>
               <a:ea typeface="Montserrat"/>
               <a:cs typeface="Montserrat"/>
@@ -11308,7 +10838,7 @@
 </p:sld>
 </file>
 
-<file path=ppt/slides/slide14.xml><?xml version="1.0" encoding="utf-8"?>
+<file path=ppt/slides/slide13.xml><?xml version="1.0" encoding="utf-8"?>
 <p:sld xmlns:a="http://schemas.openxmlformats.org/drawingml/2006/main" xmlns:r="http://schemas.openxmlformats.org/officeDocument/2006/relationships" xmlns:p="http://schemas.openxmlformats.org/presentationml/2006/main">
   <p:cSld>
     <p:spTree>
@@ -11361,7 +10891,7 @@
 </p:sld>
 </file>
 
-<file path=ppt/slides/slide15.xml><?xml version="1.0" encoding="utf-8"?>
+<file path=ppt/slides/slide14.xml><?xml version="1.0" encoding="utf-8"?>
 <p:sld xmlns:a="http://schemas.openxmlformats.org/drawingml/2006/main" xmlns:r="http://schemas.openxmlformats.org/officeDocument/2006/relationships" xmlns:p="http://schemas.openxmlformats.org/presentationml/2006/main">
   <p:cSld>
     <p:spTree>
@@ -11818,7 +11348,7 @@
 </p:sld>
 </file>
 
-<file path=ppt/slides/slide16.xml><?xml version="1.0" encoding="utf-8"?>
+<file path=ppt/slides/slide15.xml><?xml version="1.0" encoding="utf-8"?>
 <p:sld xmlns:a="http://schemas.openxmlformats.org/drawingml/2006/main" xmlns:r="http://schemas.openxmlformats.org/officeDocument/2006/relationships" xmlns:p="http://schemas.openxmlformats.org/presentationml/2006/main">
   <p:cSld>
     <p:spTree>
@@ -12002,7 +11532,7 @@
 </p:sld>
 </file>
 
-<file path=ppt/slides/slide17.xml><?xml version="1.0" encoding="utf-8"?>
+<file path=ppt/slides/slide16.xml><?xml version="1.0" encoding="utf-8"?>
 <p:sld xmlns:a="http://schemas.openxmlformats.org/drawingml/2006/main" xmlns:r="http://schemas.openxmlformats.org/officeDocument/2006/relationships" xmlns:p="http://schemas.openxmlformats.org/presentationml/2006/main">
   <p:cSld>
     <p:spTree>
@@ -12244,7 +11774,7 @@
             </a:pPr>
             <a:fld id="{00000000-1234-1234-1234-123412341234}" type="slidenum">
               <a:rPr lang="en"/>
-              <a:t>17</a:t>
+              <a:t>16</a:t>
             </a:fld>
             <a:endParaRPr/>
           </a:p>
@@ -12701,7 +12231,7 @@
 </p:sld>
 </file>
 
-<file path=ppt/slides/slide18.xml><?xml version="1.0" encoding="utf-8"?>
+<file path=ppt/slides/slide17.xml><?xml version="1.0" encoding="utf-8"?>
 <p:sld xmlns:a="http://schemas.openxmlformats.org/drawingml/2006/main" xmlns:r="http://schemas.openxmlformats.org/officeDocument/2006/relationships" xmlns:p="http://schemas.openxmlformats.org/presentationml/2006/main">
   <p:cSld>
     <p:spTree>
@@ -12799,10 +12329,10 @@
               <a:buAutoNum type="arabicPeriod"/>
             </a:pPr>
             <a:r>
-              <a:rPr lang="en"/>
+              <a:rPr lang="en" dirty="0"/>
               <a:t>PageRank is a famous algorithm devised by Google</a:t>
             </a:r>
-            <a:endParaRPr/>
+            <a:endParaRPr dirty="0"/>
           </a:p>
           <a:p>
             <a:pPr marL="914400" lvl="1" indent="-317500" algn="l" rtl="0">
@@ -12819,10 +12349,10 @@
               <a:buChar char="-"/>
             </a:pPr>
             <a:r>
-              <a:rPr lang="en"/>
+              <a:rPr lang="en" dirty="0"/>
               <a:t>determines the relevance of a page according to popularity: The more links that point to a webpage, the more useful it will seem, and the higher it will appear in the results</a:t>
             </a:r>
-            <a:endParaRPr/>
+            <a:endParaRPr dirty="0"/>
           </a:p>
           <a:p>
             <a:pPr marL="457200" lvl="0" indent="-342900" algn="l" rtl="0">
@@ -12839,10 +12369,10 @@
               <a:buAutoNum type="arabicPeriod"/>
             </a:pPr>
             <a:r>
-              <a:rPr lang="en"/>
+              <a:rPr lang="en" dirty="0"/>
               <a:t>Other important criteria:</a:t>
             </a:r>
-            <a:endParaRPr/>
+            <a:endParaRPr dirty="0"/>
           </a:p>
           <a:p>
             <a:pPr marL="914400" lvl="1" indent="-317500" algn="l" rtl="0">
@@ -12859,10 +12389,10 @@
               <a:buChar char="-"/>
             </a:pPr>
             <a:r>
-              <a:rPr lang="en"/>
+              <a:rPr lang="en" dirty="0"/>
               <a:t>How often the page is updated; more recent often more relevant (but not always); trustworthy domain; etc.</a:t>
             </a:r>
-            <a:endParaRPr/>
+            <a:endParaRPr dirty="0"/>
           </a:p>
           <a:p>
             <a:pPr marL="457200" lvl="0" indent="-342900" algn="l" rtl="0">
@@ -12879,10 +12409,10 @@
               <a:buAutoNum type="arabicPeriod"/>
             </a:pPr>
             <a:r>
-              <a:rPr lang="en"/>
+              <a:rPr lang="en" dirty="0"/>
               <a:t>Search (and SEO) is big business</a:t>
             </a:r>
-            <a:endParaRPr/>
+            <a:endParaRPr dirty="0"/>
           </a:p>
           <a:p>
             <a:pPr marL="914400" lvl="1" indent="-317500" algn="l" rtl="0">
@@ -12899,10 +12429,10 @@
               <a:buChar char="-"/>
             </a:pPr>
             <a:r>
-              <a:rPr lang="en"/>
+              <a:rPr lang="en" dirty="0"/>
               <a:t>Why?</a:t>
             </a:r>
-            <a:endParaRPr/>
+            <a:endParaRPr dirty="0"/>
           </a:p>
           <a:p>
             <a:pPr marL="0" lvl="0" indent="0" algn="l" rtl="0">
@@ -12917,7 +12447,7 @@
               </a:spcAft>
               <a:buNone/>
             </a:pPr>
-            <a:endParaRPr/>
+            <a:endParaRPr dirty="0"/>
           </a:p>
         </p:txBody>
       </p:sp>
@@ -12957,7 +12487,7 @@
             </a:pPr>
             <a:fld id="{00000000-1234-1234-1234-123412341234}" type="slidenum">
               <a:rPr lang="en"/>
-              <a:t>18</a:t>
+              <a:t>17</a:t>
             </a:fld>
             <a:endParaRPr/>
           </a:p>
@@ -12971,8 +12501,8 @@
         </p:nvSpPr>
         <p:spPr>
           <a:xfrm>
-            <a:off x="0" y="4830900"/>
-            <a:ext cx="3694800" cy="312600"/>
+            <a:off x="-1" y="4830900"/>
+            <a:ext cx="6459523" cy="312600"/>
           </a:xfrm>
           <a:prstGeom prst="rect">
             <a:avLst/>
@@ -12998,15 +12528,14 @@
               <a:buNone/>
             </a:pPr>
             <a:r>
-              <a:rPr lang="en" sz="1100" u="sng">
-                <a:solidFill>
-                  <a:schemeClr val="hlink"/>
-                </a:solidFill>
-                <a:hlinkClick r:id="rId3"/>
-              </a:rPr>
-              <a:t>https://www.bbc.com/bitesize/articles/ztbjq6f</a:t>
-            </a:r>
-            <a:endParaRPr/>
+              <a:rPr lang="en-US" dirty="0"/>
+              <a:t>See course-website/course-files/readings/search-</a:t>
+            </a:r>
+            <a:r>
+              <a:rPr lang="en-US" dirty="0" err="1"/>
+              <a:t>engines.pdf</a:t>
+            </a:r>
+            <a:endParaRPr dirty="0"/>
           </a:p>
         </p:txBody>
       </p:sp>
@@ -13475,7 +13004,7 @@
 </p:sld>
 </file>
 
-<file path=ppt/slides/slide19.xml><?xml version="1.0" encoding="utf-8"?>
+<file path=ppt/slides/slide18.xml><?xml version="1.0" encoding="utf-8"?>
 <p:sld xmlns:a="http://schemas.openxmlformats.org/drawingml/2006/main" xmlns:r="http://schemas.openxmlformats.org/officeDocument/2006/relationships" xmlns:p="http://schemas.openxmlformats.org/presentationml/2006/main">
   <p:cSld>
     <p:spTree>
@@ -13715,7 +13244,7 @@
             </a:pPr>
             <a:fld id="{00000000-1234-1234-1234-123412341234}" type="slidenum">
               <a:rPr lang="en"/>
-              <a:t>19</a:t>
+              <a:t>18</a:t>
             </a:fld>
             <a:endParaRPr/>
           </a:p>
@@ -13729,300 +13258,7 @@
 </p:sld>
 </file>
 
-<file path=ppt/slides/slide2.xml><?xml version="1.0" encoding="utf-8"?>
-<p:sld xmlns:a="http://schemas.openxmlformats.org/drawingml/2006/main" xmlns:r="http://schemas.openxmlformats.org/officeDocument/2006/relationships" xmlns:p="http://schemas.openxmlformats.org/presentationml/2006/main">
-  <p:cSld>
-    <p:spTree>
-      <p:nvGrpSpPr>
-        <p:cNvPr id="1" name="Shape 60"/>
-        <p:cNvGrpSpPr/>
-        <p:nvPr/>
-      </p:nvGrpSpPr>
-      <p:grpSpPr>
-        <a:xfrm>
-          <a:off x="0" y="0"/>
-          <a:ext cx="0" cy="0"/>
-          <a:chOff x="0" y="0"/>
-          <a:chExt cx="0" cy="0"/>
-        </a:xfrm>
-      </p:grpSpPr>
-      <p:sp>
-        <p:nvSpPr>
-          <p:cNvPr id="61" name="Google Shape;61;p14"/>
-          <p:cNvSpPr txBox="1">
-            <a:spLocks noGrp="1"/>
-          </p:cNvSpPr>
-          <p:nvPr>
-            <p:ph type="title"/>
-          </p:nvPr>
-        </p:nvSpPr>
-        <p:spPr>
-          <a:xfrm>
-            <a:off x="311700" y="445025"/>
-            <a:ext cx="8520600" cy="572700"/>
-          </a:xfrm>
-          <a:prstGeom prst="rect">
-            <a:avLst/>
-          </a:prstGeom>
-        </p:spPr>
-        <p:txBody>
-          <a:bodyPr spcFirstLastPara="1" wrap="square" lIns="91425" tIns="91425" rIns="91425" bIns="91425" anchor="t" anchorCtr="0">
-            <a:normAutofit fontScale="90000"/>
-          </a:bodyPr>
-          <a:lstStyle/>
-          <a:p>
-            <a:pPr marL="0" lvl="0" indent="0" algn="l" rtl="0">
-              <a:spcBef>
-                <a:spcPts val="0"/>
-              </a:spcBef>
-              <a:spcAft>
-                <a:spcPts val="0"/>
-              </a:spcAft>
-              <a:buNone/>
-            </a:pPr>
-            <a:r>
-              <a:rPr lang="en"/>
-              <a:t>Announcements</a:t>
-            </a:r>
-            <a:endParaRPr/>
-          </a:p>
-        </p:txBody>
-      </p:sp>
-      <p:sp>
-        <p:nvSpPr>
-          <p:cNvPr id="62" name="Google Shape;62;p14"/>
-          <p:cNvSpPr txBox="1">
-            <a:spLocks noGrp="1"/>
-          </p:cNvSpPr>
-          <p:nvPr>
-            <p:ph type="body" idx="1"/>
-          </p:nvPr>
-        </p:nvSpPr>
-        <p:spPr>
-          <a:xfrm>
-            <a:off x="311700" y="1152475"/>
-            <a:ext cx="8520600" cy="3637200"/>
-          </a:xfrm>
-          <a:prstGeom prst="rect">
-            <a:avLst/>
-          </a:prstGeom>
-        </p:spPr>
-        <p:txBody>
-          <a:bodyPr spcFirstLastPara="1" wrap="square" lIns="91425" tIns="91425" rIns="91425" bIns="91425" anchor="t" anchorCtr="0">
-            <a:normAutofit/>
-          </a:bodyPr>
-          <a:lstStyle/>
-          <a:p>
-            <a:pPr marL="457200" lvl="0" indent="-342900" algn="l" rtl="0">
-              <a:spcBef>
-                <a:spcPts val="1000"/>
-              </a:spcBef>
-              <a:spcAft>
-                <a:spcPts val="0"/>
-              </a:spcAft>
-              <a:buSzPts val="1800"/>
-              <a:buFont typeface="Montserrat"/>
-              <a:buAutoNum type="arabicPeriod"/>
-            </a:pPr>
-            <a:r>
-              <a:rPr lang="en" u="sng" dirty="0">
-                <a:solidFill>
-                  <a:schemeClr val="hlink"/>
-                </a:solidFill>
-                <a:hlinkClick r:id="rId3"/>
-              </a:rPr>
-              <a:t>HW1 due tonight</a:t>
-            </a:r>
-            <a:endParaRPr dirty="0"/>
-          </a:p>
-          <a:p>
-            <a:pPr marL="457200" lvl="0" indent="-342900" algn="l" rtl="0">
-              <a:spcBef>
-                <a:spcPts val="1000"/>
-              </a:spcBef>
-              <a:spcAft>
-                <a:spcPts val="0"/>
-              </a:spcAft>
-              <a:buSzPts val="1800"/>
-              <a:buFont typeface="Montserrat"/>
-              <a:buAutoNum type="arabicPeriod"/>
-            </a:pPr>
-            <a:r>
-              <a:rPr lang="en" u="sng" dirty="0">
-                <a:solidFill>
-                  <a:schemeClr val="hlink"/>
-                </a:solidFill>
-                <a:hlinkClick r:id="rId4"/>
-              </a:rPr>
-              <a:t>HW2 Posted</a:t>
-            </a:r>
-            <a:r>
-              <a:rPr lang="en" dirty="0"/>
-              <a:t>. Due next Monday at midnight</a:t>
-            </a:r>
-            <a:endParaRPr dirty="0"/>
-          </a:p>
-          <a:p>
-            <a:pPr marL="457200" lvl="0" indent="-342900" algn="l" rtl="0">
-              <a:spcBef>
-                <a:spcPts val="1000"/>
-              </a:spcBef>
-              <a:spcAft>
-                <a:spcPts val="0"/>
-              </a:spcAft>
-              <a:buSzPts val="1800"/>
-              <a:buFont typeface="Montserrat"/>
-              <a:buAutoNum type="arabicPeriod"/>
-            </a:pPr>
-            <a:r>
-              <a:rPr lang="en" u="sng" dirty="0">
-                <a:solidFill>
-                  <a:schemeClr val="hlink"/>
-                </a:solidFill>
-                <a:hlinkClick r:id="rId5"/>
-              </a:rPr>
-              <a:t>Wednesday</a:t>
-            </a:r>
-            <a:r>
-              <a:rPr lang="en" dirty="0"/>
-              <a:t>: </a:t>
-            </a:r>
-            <a:endParaRPr dirty="0"/>
-          </a:p>
-          <a:p>
-            <a:pPr marL="914400" lvl="1" indent="-330200" algn="l" rtl="0">
-              <a:spcBef>
-                <a:spcPts val="0"/>
-              </a:spcBef>
-              <a:spcAft>
-                <a:spcPts val="0"/>
-              </a:spcAft>
-              <a:buSzPts val="1600"/>
-              <a:buFont typeface="Montserrat"/>
-              <a:buChar char="○"/>
-            </a:pPr>
-            <a:r>
-              <a:rPr lang="en" dirty="0"/>
-              <a:t>We’re setting up git and GitHub on your computer</a:t>
-            </a:r>
-            <a:endParaRPr dirty="0"/>
-          </a:p>
-          <a:p>
-            <a:pPr marL="914400" lvl="1" indent="-330200" algn="l" rtl="0">
-              <a:spcBef>
-                <a:spcPts val="0"/>
-              </a:spcBef>
-              <a:spcAft>
-                <a:spcPts val="0"/>
-              </a:spcAft>
-              <a:buSzPts val="1600"/>
-              <a:buFont typeface="Montserrat"/>
-              <a:buChar char="○"/>
-            </a:pPr>
-            <a:r>
-              <a:rPr lang="en" dirty="0"/>
-              <a:t>Please bring your computer to class</a:t>
-            </a:r>
-            <a:endParaRPr dirty="0"/>
-          </a:p>
-          <a:p>
-            <a:pPr marL="914400" lvl="1" indent="-330200" algn="l" rtl="0">
-              <a:spcBef>
-                <a:spcPts val="0"/>
-              </a:spcBef>
-              <a:spcAft>
-                <a:spcPts val="0"/>
-              </a:spcAft>
-              <a:buSzPts val="1600"/>
-              <a:buFont typeface="Montserrat"/>
-              <a:buChar char="○"/>
-            </a:pPr>
-            <a:r>
-              <a:rPr lang="en" dirty="0"/>
-              <a:t>This is an important day to be on time for</a:t>
-            </a:r>
-            <a:endParaRPr dirty="0"/>
-          </a:p>
-          <a:p>
-            <a:pPr marL="457200" lvl="0" indent="-342900" algn="l" rtl="0">
-              <a:spcBef>
-                <a:spcPts val="1000"/>
-              </a:spcBef>
-              <a:spcAft>
-                <a:spcPts val="1000"/>
-              </a:spcAft>
-              <a:buSzPts val="1800"/>
-              <a:buFont typeface="Montserrat"/>
-              <a:buAutoNum type="arabicPeriod"/>
-            </a:pPr>
-            <a:r>
-              <a:rPr lang="en" u="sng" dirty="0">
-                <a:solidFill>
-                  <a:schemeClr val="hlink"/>
-                </a:solidFill>
-                <a:hlinkClick r:id="rId6"/>
-              </a:rPr>
-              <a:t>Tutorial 3</a:t>
-            </a:r>
-            <a:r>
-              <a:rPr lang="en" dirty="0"/>
-              <a:t> (Friday): Make a homepage to showcase your work in this class.</a:t>
-            </a:r>
-            <a:endParaRPr dirty="0"/>
-          </a:p>
-        </p:txBody>
-      </p:sp>
-      <p:sp>
-        <p:nvSpPr>
-          <p:cNvPr id="63" name="Google Shape;63;p14"/>
-          <p:cNvSpPr txBox="1">
-            <a:spLocks noGrp="1"/>
-          </p:cNvSpPr>
-          <p:nvPr>
-            <p:ph type="sldNum" idx="12"/>
-          </p:nvPr>
-        </p:nvSpPr>
-        <p:spPr>
-          <a:xfrm>
-            <a:off x="8472458" y="4663217"/>
-            <a:ext cx="548700" cy="393600"/>
-          </a:xfrm>
-          <a:prstGeom prst="rect">
-            <a:avLst/>
-          </a:prstGeom>
-        </p:spPr>
-        <p:txBody>
-          <a:bodyPr spcFirstLastPara="1" wrap="square" lIns="91425" tIns="91425" rIns="91425" bIns="91425" anchor="ctr" anchorCtr="0">
-            <a:normAutofit/>
-          </a:bodyPr>
-          <a:lstStyle/>
-          <a:p>
-            <a:pPr marL="0" lvl="0" indent="0" algn="r" rtl="0">
-              <a:spcBef>
-                <a:spcPts val="0"/>
-              </a:spcBef>
-              <a:spcAft>
-                <a:spcPts val="0"/>
-              </a:spcAft>
-              <a:buNone/>
-            </a:pPr>
-            <a:fld id="{00000000-1234-1234-1234-123412341234}" type="slidenum">
-              <a:rPr lang="en"/>
-              <a:t>2</a:t>
-            </a:fld>
-            <a:endParaRPr/>
-          </a:p>
-        </p:txBody>
-      </p:sp>
-    </p:spTree>
-  </p:cSld>
-  <p:clrMapOvr>
-    <a:masterClrMapping/>
-  </p:clrMapOvr>
-</p:sld>
-</file>
-
-<file path=ppt/slides/slide20.xml><?xml version="1.0" encoding="utf-8"?>
+<file path=ppt/slides/slide19.xml><?xml version="1.0" encoding="utf-8"?>
 <p:sld xmlns:a="http://schemas.openxmlformats.org/drawingml/2006/main" xmlns:r="http://schemas.openxmlformats.org/officeDocument/2006/relationships" xmlns:p="http://schemas.openxmlformats.org/presentationml/2006/main">
   <p:cSld>
     <p:spTree>
@@ -14226,7 +13462,7 @@
             </a:pPr>
             <a:fld id="{00000000-1234-1234-1234-123412341234}" type="slidenum">
               <a:rPr lang="en"/>
-              <a:t>20</a:t>
+              <a:t>19</a:t>
             </a:fld>
             <a:endParaRPr/>
           </a:p>
@@ -14240,7 +13476,176 @@
 </p:sld>
 </file>
 
-<file path=ppt/slides/slide21.xml><?xml version="1.0" encoding="utf-8"?>
+<file path=ppt/slides/slide2.xml><?xml version="1.0" encoding="utf-8"?>
+<p:sld xmlns:a="http://schemas.openxmlformats.org/drawingml/2006/main" xmlns:r="http://schemas.openxmlformats.org/officeDocument/2006/relationships" xmlns:p="http://schemas.openxmlformats.org/presentationml/2006/main">
+  <p:cSld>
+    <p:spTree>
+      <p:nvGrpSpPr>
+        <p:cNvPr id="1" name="Shape 67"/>
+        <p:cNvGrpSpPr/>
+        <p:nvPr/>
+      </p:nvGrpSpPr>
+      <p:grpSpPr>
+        <a:xfrm>
+          <a:off x="0" y="0"/>
+          <a:ext cx="0" cy="0"/>
+          <a:chOff x="0" y="0"/>
+          <a:chExt cx="0" cy="0"/>
+        </a:xfrm>
+      </p:grpSpPr>
+      <p:sp>
+        <p:nvSpPr>
+          <p:cNvPr id="68" name="Google Shape;68;p15"/>
+          <p:cNvSpPr txBox="1">
+            <a:spLocks noGrp="1"/>
+          </p:cNvSpPr>
+          <p:nvPr>
+            <p:ph type="title"/>
+          </p:nvPr>
+        </p:nvSpPr>
+        <p:spPr>
+          <a:xfrm>
+            <a:off x="311700" y="445025"/>
+            <a:ext cx="8520600" cy="572700"/>
+          </a:xfrm>
+          <a:prstGeom prst="rect">
+            <a:avLst/>
+          </a:prstGeom>
+        </p:spPr>
+        <p:txBody>
+          <a:bodyPr spcFirstLastPara="1" wrap="square" lIns="91425" tIns="91425" rIns="91425" bIns="91425" anchor="t" anchorCtr="0">
+            <a:normAutofit fontScale="90000"/>
+          </a:bodyPr>
+          <a:lstStyle/>
+          <a:p>
+            <a:pPr marL="0" lvl="0" indent="0" algn="l" rtl="0">
+              <a:spcBef>
+                <a:spcPts val="0"/>
+              </a:spcBef>
+              <a:spcAft>
+                <a:spcPts val="0"/>
+              </a:spcAft>
+              <a:buNone/>
+            </a:pPr>
+            <a:r>
+              <a:rPr lang="en"/>
+              <a:t>Learning Goals for Today</a:t>
+            </a:r>
+            <a:endParaRPr/>
+          </a:p>
+        </p:txBody>
+      </p:sp>
+      <p:sp>
+        <p:nvSpPr>
+          <p:cNvPr id="69" name="Google Shape;69;p15"/>
+          <p:cNvSpPr txBox="1">
+            <a:spLocks noGrp="1"/>
+          </p:cNvSpPr>
+          <p:nvPr>
+            <p:ph type="body" idx="1"/>
+          </p:nvPr>
+        </p:nvSpPr>
+        <p:spPr>
+          <a:xfrm>
+            <a:off x="311700" y="1152475"/>
+            <a:ext cx="8520600" cy="3637200"/>
+          </a:xfrm>
+          <a:prstGeom prst="rect">
+            <a:avLst/>
+          </a:prstGeom>
+        </p:spPr>
+        <p:txBody>
+          <a:bodyPr spcFirstLastPara="1" wrap="square" lIns="91425" tIns="91425" rIns="91425" bIns="91425" anchor="t" anchorCtr="0">
+            <a:normAutofit/>
+          </a:bodyPr>
+          <a:lstStyle/>
+          <a:p>
+            <a:pPr marL="457200" lvl="0" indent="-342900" algn="l" rtl="0">
+              <a:spcBef>
+                <a:spcPts val="0"/>
+              </a:spcBef>
+              <a:spcAft>
+                <a:spcPts val="0"/>
+              </a:spcAft>
+              <a:buSzPts val="1800"/>
+              <a:buChar char="●"/>
+            </a:pPr>
+            <a:r>
+              <a:rPr lang="en"/>
+              <a:t>Understand why semantic tags are important</a:t>
+            </a:r>
+            <a:endParaRPr/>
+          </a:p>
+          <a:p>
+            <a:pPr marL="457200" lvl="0" indent="-342900" algn="l" rtl="0">
+              <a:spcBef>
+                <a:spcPts val="0"/>
+              </a:spcBef>
+              <a:spcAft>
+                <a:spcPts val="0"/>
+              </a:spcAft>
+              <a:buSzPts val="1800"/>
+              <a:buChar char="●"/>
+            </a:pPr>
+            <a:r>
+              <a:rPr lang="en"/>
+              <a:t>Understand how to specify relative links</a:t>
+            </a:r>
+            <a:endParaRPr/>
+          </a:p>
+        </p:txBody>
+      </p:sp>
+      <p:sp>
+        <p:nvSpPr>
+          <p:cNvPr id="70" name="Google Shape;70;p15"/>
+          <p:cNvSpPr txBox="1">
+            <a:spLocks noGrp="1"/>
+          </p:cNvSpPr>
+          <p:nvPr>
+            <p:ph type="sldNum" idx="12"/>
+          </p:nvPr>
+        </p:nvSpPr>
+        <p:spPr>
+          <a:xfrm>
+            <a:off x="8472458" y="4663217"/>
+            <a:ext cx="548700" cy="393600"/>
+          </a:xfrm>
+          <a:prstGeom prst="rect">
+            <a:avLst/>
+          </a:prstGeom>
+        </p:spPr>
+        <p:txBody>
+          <a:bodyPr spcFirstLastPara="1" wrap="square" lIns="91425" tIns="91425" rIns="91425" bIns="91425" anchor="ctr" anchorCtr="0">
+            <a:normAutofit/>
+          </a:bodyPr>
+          <a:lstStyle/>
+          <a:p>
+            <a:pPr marL="0" lvl="0" indent="0" algn="r" rtl="0">
+              <a:spcBef>
+                <a:spcPts val="0"/>
+              </a:spcBef>
+              <a:spcAft>
+                <a:spcPts val="0"/>
+              </a:spcAft>
+              <a:buNone/>
+            </a:pPr>
+            <a:fld id="{00000000-1234-1234-1234-123412341234}" type="slidenum">
+              <a:rPr lang="en"/>
+              <a:t>2</a:t>
+            </a:fld>
+            <a:endParaRPr/>
+          </a:p>
+        </p:txBody>
+      </p:sp>
+    </p:spTree>
+  </p:cSld>
+  <p:clrMapOvr>
+    <a:masterClrMapping/>
+  </p:clrMapOvr>
+</p:sld>
+</file>
+
+<file path=ppt/slides/slide20.xml><?xml version="1.0" encoding="utf-8"?>
 <p:sld xmlns:a="http://schemas.openxmlformats.org/drawingml/2006/main" xmlns:r="http://schemas.openxmlformats.org/officeDocument/2006/relationships" xmlns:p="http://schemas.openxmlformats.org/presentationml/2006/main">
   <p:cSld>
     <p:spTree>
@@ -14420,55 +13825,8 @@
             </a:pPr>
             <a:fld id="{00000000-1234-1234-1234-123412341234}" type="slidenum">
               <a:rPr lang="en"/>
-              <a:t>21</a:t>
+              <a:t>20</a:t>
             </a:fld>
-            <a:endParaRPr/>
-          </a:p>
-        </p:txBody>
-      </p:sp>
-      <p:sp>
-        <p:nvSpPr>
-          <p:cNvPr id="203" name="Google Shape;203;p33"/>
-          <p:cNvSpPr txBox="1"/>
-          <p:nvPr/>
-        </p:nvSpPr>
-        <p:spPr>
-          <a:xfrm>
-            <a:off x="0" y="4830900"/>
-            <a:ext cx="3694800" cy="312600"/>
-          </a:xfrm>
-          <a:prstGeom prst="rect">
-            <a:avLst/>
-          </a:prstGeom>
-          <a:noFill/>
-          <a:ln>
-            <a:noFill/>
-          </a:ln>
-        </p:spPr>
-        <p:txBody>
-          <a:bodyPr spcFirstLastPara="1" wrap="square" lIns="91425" tIns="91425" rIns="91425" bIns="91425" anchor="t" anchorCtr="0">
-            <a:noAutofit/>
-          </a:bodyPr>
-          <a:lstStyle/>
-          <a:p>
-            <a:pPr marL="0" lvl="0" indent="0" algn="l" rtl="0">
-              <a:spcBef>
-                <a:spcPts val="0"/>
-              </a:spcBef>
-              <a:spcAft>
-                <a:spcPts val="0"/>
-              </a:spcAft>
-              <a:buNone/>
-            </a:pPr>
-            <a:r>
-              <a:rPr lang="en" sz="1100" u="sng">
-                <a:solidFill>
-                  <a:schemeClr val="hlink"/>
-                </a:solidFill>
-                <a:hlinkClick r:id="rId3"/>
-              </a:rPr>
-              <a:t>https://www.bbc.com/bitesize/articles/ztbjq6f</a:t>
-            </a:r>
             <a:endParaRPr/>
           </a:p>
         </p:txBody>
@@ -14694,7 +14052,7 @@
 </p:sld>
 </file>
 
-<file path=ppt/slides/slide22.xml><?xml version="1.0" encoding="utf-8"?>
+<file path=ppt/slides/slide21.xml><?xml version="1.0" encoding="utf-8"?>
 <p:sld xmlns:a="http://schemas.openxmlformats.org/drawingml/2006/main" xmlns:r="http://schemas.openxmlformats.org/officeDocument/2006/relationships" xmlns:p="http://schemas.openxmlformats.org/presentationml/2006/main">
   <p:cSld>
     <p:spTree>
@@ -14967,7 +14325,7 @@
             </a:pPr>
             <a:fld id="{00000000-1234-1234-1234-123412341234}" type="slidenum">
               <a:rPr lang="en"/>
-              <a:t>22</a:t>
+              <a:t>21</a:t>
             </a:fld>
             <a:endParaRPr/>
           </a:p>
@@ -15255,7 +14613,7 @@
 </p:sld>
 </file>
 
-<file path=ppt/slides/slide23.xml><?xml version="1.0" encoding="utf-8"?>
+<file path=ppt/slides/slide22.xml><?xml version="1.0" encoding="utf-8"?>
 <p:sld xmlns:a="http://schemas.openxmlformats.org/drawingml/2006/main" xmlns:r="http://schemas.openxmlformats.org/officeDocument/2006/relationships" xmlns:p="http://schemas.openxmlformats.org/presentationml/2006/main">
   <p:cSld>
     <p:spTree>
@@ -15422,7 +14780,7 @@
             </a:pPr>
             <a:fld id="{00000000-1234-1234-1234-123412341234}" type="slidenum">
               <a:rPr lang="en"/>
-              <a:t>23</a:t>
+              <a:t>22</a:t>
             </a:fld>
             <a:endParaRPr/>
           </a:p>
@@ -15436,7 +14794,7 @@
 </p:sld>
 </file>
 
-<file path=ppt/slides/slide24.xml><?xml version="1.0" encoding="utf-8"?>
+<file path=ppt/slides/slide23.xml><?xml version="1.0" encoding="utf-8"?>
 <p:sld xmlns:a="http://schemas.openxmlformats.org/drawingml/2006/main" xmlns:r="http://schemas.openxmlformats.org/officeDocument/2006/relationships" xmlns:p="http://schemas.openxmlformats.org/presentationml/2006/main">
   <p:cSld>
     <p:spTree>
@@ -15642,7 +15000,7 @@
             </a:pPr>
             <a:fld id="{00000000-1234-1234-1234-123412341234}" type="slidenum">
               <a:rPr lang="en"/>
-              <a:t>24</a:t>
+              <a:t>23</a:t>
             </a:fld>
             <a:endParaRPr/>
           </a:p>
@@ -15991,7 +15349,7 @@
 </p:sld>
 </file>
 
-<file path=ppt/slides/slide25.xml><?xml version="1.0" encoding="utf-8"?>
+<file path=ppt/slides/slide24.xml><?xml version="1.0" encoding="utf-8"?>
 <p:sld xmlns:a="http://schemas.openxmlformats.org/drawingml/2006/main" xmlns:r="http://schemas.openxmlformats.org/officeDocument/2006/relationships" xmlns:p="http://schemas.openxmlformats.org/presentationml/2006/main">
   <p:cSld>
     <p:spTree>
@@ -16221,7 +15579,7 @@
             </a:pPr>
             <a:fld id="{00000000-1234-1234-1234-123412341234}" type="slidenum">
               <a:rPr lang="en"/>
-              <a:t>25</a:t>
+              <a:t>24</a:t>
             </a:fld>
             <a:endParaRPr/>
           </a:p>
@@ -16235,7 +15593,7 @@
 </p:sld>
 </file>
 
-<file path=ppt/slides/slide26.xml><?xml version="1.0" encoding="utf-8"?>
+<file path=ppt/slides/slide25.xml><?xml version="1.0" encoding="utf-8"?>
 <p:sld xmlns:a="http://schemas.openxmlformats.org/drawingml/2006/main" xmlns:r="http://schemas.openxmlformats.org/officeDocument/2006/relationships" xmlns:p="http://schemas.openxmlformats.org/presentationml/2006/main">
   <p:cSld>
     <p:spTree>
@@ -16525,7 +15883,7 @@
             </a:pPr>
             <a:fld id="{00000000-1234-1234-1234-123412341234}" type="slidenum">
               <a:rPr lang="en"/>
-              <a:t>26</a:t>
+              <a:t>25</a:t>
             </a:fld>
             <a:endParaRPr/>
           </a:p>
@@ -17179,7 +16537,7 @@
 </p:sld>
 </file>
 
-<file path=ppt/slides/slide27.xml><?xml version="1.0" encoding="utf-8"?>
+<file path=ppt/slides/slide26.xml><?xml version="1.0" encoding="utf-8"?>
 <p:sld xmlns:a="http://schemas.openxmlformats.org/drawingml/2006/main" xmlns:r="http://schemas.openxmlformats.org/officeDocument/2006/relationships" xmlns:p="http://schemas.openxmlformats.org/presentationml/2006/main">
   <p:cSld>
     <p:spTree>
@@ -17472,7 +16830,7 @@
             </a:pPr>
             <a:fld id="{00000000-1234-1234-1234-123412341234}" type="slidenum">
               <a:rPr lang="en"/>
-              <a:t>27</a:t>
+              <a:t>26</a:t>
             </a:fld>
             <a:endParaRPr/>
           </a:p>
@@ -17690,7 +17048,7 @@
 </p:sld>
 </file>
 
-<file path=ppt/slides/slide28.xml><?xml version="1.0" encoding="utf-8"?>
+<file path=ppt/slides/slide27.xml><?xml version="1.0" encoding="utf-8"?>
 <p:sld xmlns:a="http://schemas.openxmlformats.org/drawingml/2006/main" xmlns:r="http://schemas.openxmlformats.org/officeDocument/2006/relationships" xmlns:p="http://schemas.openxmlformats.org/presentationml/2006/main">
   <p:cSld>
     <p:spTree>
@@ -18229,7 +17587,7 @@
             </a:pPr>
             <a:fld id="{00000000-1234-1234-1234-123412341234}" type="slidenum">
               <a:rPr lang="en"/>
-              <a:t>28</a:t>
+              <a:t>27</a:t>
             </a:fld>
             <a:endParaRPr/>
           </a:p>
@@ -18537,7 +17895,7 @@
 </p:sld>
 </file>
 
-<file path=ppt/slides/slide29.xml><?xml version="1.0" encoding="utf-8"?>
+<file path=ppt/slides/slide28.xml><?xml version="1.0" encoding="utf-8"?>
 <p:sld xmlns:a="http://schemas.openxmlformats.org/drawingml/2006/main" xmlns:r="http://schemas.openxmlformats.org/officeDocument/2006/relationships" xmlns:p="http://schemas.openxmlformats.org/presentationml/2006/main">
   <p:cSld>
     <p:spTree>
@@ -19072,7 +18430,7 @@
             </a:pPr>
             <a:fld id="{00000000-1234-1234-1234-123412341234}" type="slidenum">
               <a:rPr lang="en"/>
-              <a:t>29</a:t>
+              <a:t>28</a:t>
             </a:fld>
             <a:endParaRPr/>
           </a:p>
@@ -19316,176 +18674,7 @@
 </p:sld>
 </file>
 
-<file path=ppt/slides/slide3.xml><?xml version="1.0" encoding="utf-8"?>
-<p:sld xmlns:a="http://schemas.openxmlformats.org/drawingml/2006/main" xmlns:r="http://schemas.openxmlformats.org/officeDocument/2006/relationships" xmlns:p="http://schemas.openxmlformats.org/presentationml/2006/main">
-  <p:cSld>
-    <p:spTree>
-      <p:nvGrpSpPr>
-        <p:cNvPr id="1" name="Shape 67"/>
-        <p:cNvGrpSpPr/>
-        <p:nvPr/>
-      </p:nvGrpSpPr>
-      <p:grpSpPr>
-        <a:xfrm>
-          <a:off x="0" y="0"/>
-          <a:ext cx="0" cy="0"/>
-          <a:chOff x="0" y="0"/>
-          <a:chExt cx="0" cy="0"/>
-        </a:xfrm>
-      </p:grpSpPr>
-      <p:sp>
-        <p:nvSpPr>
-          <p:cNvPr id="68" name="Google Shape;68;p15"/>
-          <p:cNvSpPr txBox="1">
-            <a:spLocks noGrp="1"/>
-          </p:cNvSpPr>
-          <p:nvPr>
-            <p:ph type="title"/>
-          </p:nvPr>
-        </p:nvSpPr>
-        <p:spPr>
-          <a:xfrm>
-            <a:off x="311700" y="445025"/>
-            <a:ext cx="8520600" cy="572700"/>
-          </a:xfrm>
-          <a:prstGeom prst="rect">
-            <a:avLst/>
-          </a:prstGeom>
-        </p:spPr>
-        <p:txBody>
-          <a:bodyPr spcFirstLastPara="1" wrap="square" lIns="91425" tIns="91425" rIns="91425" bIns="91425" anchor="t" anchorCtr="0">
-            <a:normAutofit fontScale="90000"/>
-          </a:bodyPr>
-          <a:lstStyle/>
-          <a:p>
-            <a:pPr marL="0" lvl="0" indent="0" algn="l" rtl="0">
-              <a:spcBef>
-                <a:spcPts val="0"/>
-              </a:spcBef>
-              <a:spcAft>
-                <a:spcPts val="0"/>
-              </a:spcAft>
-              <a:buNone/>
-            </a:pPr>
-            <a:r>
-              <a:rPr lang="en"/>
-              <a:t>Learning Goals for Today</a:t>
-            </a:r>
-            <a:endParaRPr/>
-          </a:p>
-        </p:txBody>
-      </p:sp>
-      <p:sp>
-        <p:nvSpPr>
-          <p:cNvPr id="69" name="Google Shape;69;p15"/>
-          <p:cNvSpPr txBox="1">
-            <a:spLocks noGrp="1"/>
-          </p:cNvSpPr>
-          <p:nvPr>
-            <p:ph type="body" idx="1"/>
-          </p:nvPr>
-        </p:nvSpPr>
-        <p:spPr>
-          <a:xfrm>
-            <a:off x="311700" y="1152475"/>
-            <a:ext cx="8520600" cy="3637200"/>
-          </a:xfrm>
-          <a:prstGeom prst="rect">
-            <a:avLst/>
-          </a:prstGeom>
-        </p:spPr>
-        <p:txBody>
-          <a:bodyPr spcFirstLastPara="1" wrap="square" lIns="91425" tIns="91425" rIns="91425" bIns="91425" anchor="t" anchorCtr="0">
-            <a:normAutofit/>
-          </a:bodyPr>
-          <a:lstStyle/>
-          <a:p>
-            <a:pPr marL="457200" lvl="0" indent="-342900" algn="l" rtl="0">
-              <a:spcBef>
-                <a:spcPts val="0"/>
-              </a:spcBef>
-              <a:spcAft>
-                <a:spcPts val="0"/>
-              </a:spcAft>
-              <a:buSzPts val="1800"/>
-              <a:buChar char="●"/>
-            </a:pPr>
-            <a:r>
-              <a:rPr lang="en"/>
-              <a:t>Understand why semantic tags are important</a:t>
-            </a:r>
-            <a:endParaRPr/>
-          </a:p>
-          <a:p>
-            <a:pPr marL="457200" lvl="0" indent="-342900" algn="l" rtl="0">
-              <a:spcBef>
-                <a:spcPts val="0"/>
-              </a:spcBef>
-              <a:spcAft>
-                <a:spcPts val="0"/>
-              </a:spcAft>
-              <a:buSzPts val="1800"/>
-              <a:buChar char="●"/>
-            </a:pPr>
-            <a:r>
-              <a:rPr lang="en"/>
-              <a:t>Understand how to specify relative links</a:t>
-            </a:r>
-            <a:endParaRPr/>
-          </a:p>
-        </p:txBody>
-      </p:sp>
-      <p:sp>
-        <p:nvSpPr>
-          <p:cNvPr id="70" name="Google Shape;70;p15"/>
-          <p:cNvSpPr txBox="1">
-            <a:spLocks noGrp="1"/>
-          </p:cNvSpPr>
-          <p:nvPr>
-            <p:ph type="sldNum" idx="12"/>
-          </p:nvPr>
-        </p:nvSpPr>
-        <p:spPr>
-          <a:xfrm>
-            <a:off x="8472458" y="4663217"/>
-            <a:ext cx="548700" cy="393600"/>
-          </a:xfrm>
-          <a:prstGeom prst="rect">
-            <a:avLst/>
-          </a:prstGeom>
-        </p:spPr>
-        <p:txBody>
-          <a:bodyPr spcFirstLastPara="1" wrap="square" lIns="91425" tIns="91425" rIns="91425" bIns="91425" anchor="ctr" anchorCtr="0">
-            <a:normAutofit/>
-          </a:bodyPr>
-          <a:lstStyle/>
-          <a:p>
-            <a:pPr marL="0" lvl="0" indent="0" algn="r" rtl="0">
-              <a:spcBef>
-                <a:spcPts val="0"/>
-              </a:spcBef>
-              <a:spcAft>
-                <a:spcPts val="0"/>
-              </a:spcAft>
-              <a:buNone/>
-            </a:pPr>
-            <a:fld id="{00000000-1234-1234-1234-123412341234}" type="slidenum">
-              <a:rPr lang="en"/>
-              <a:t>3</a:t>
-            </a:fld>
-            <a:endParaRPr/>
-          </a:p>
-        </p:txBody>
-      </p:sp>
-    </p:spTree>
-  </p:cSld>
-  <p:clrMapOvr>
-    <a:masterClrMapping/>
-  </p:clrMapOvr>
-</p:sld>
-</file>
-
-<file path=ppt/slides/slide30.xml><?xml version="1.0" encoding="utf-8"?>
+<file path=ppt/slides/slide29.xml><?xml version="1.0" encoding="utf-8"?>
 <p:sld xmlns:a="http://schemas.openxmlformats.org/drawingml/2006/main" xmlns:r="http://schemas.openxmlformats.org/officeDocument/2006/relationships" xmlns:p="http://schemas.openxmlformats.org/presentationml/2006/main">
   <p:cSld>
     <p:spTree>
@@ -20020,7 +19209,7 @@
             </a:pPr>
             <a:fld id="{00000000-1234-1234-1234-123412341234}" type="slidenum">
               <a:rPr lang="en"/>
-              <a:t>30</a:t>
+              <a:t>29</a:t>
             </a:fld>
             <a:endParaRPr/>
           </a:p>
@@ -20295,7 +19484,214 @@
 </p:sld>
 </file>
 
-<file path=ppt/slides/slide31.xml><?xml version="1.0" encoding="utf-8"?>
+<file path=ppt/slides/slide3.xml><?xml version="1.0" encoding="utf-8"?>
+<p:sld xmlns:a="http://schemas.openxmlformats.org/drawingml/2006/main" xmlns:r="http://schemas.openxmlformats.org/officeDocument/2006/relationships" xmlns:p="http://schemas.openxmlformats.org/presentationml/2006/main">
+  <p:cSld>
+    <p:spTree>
+      <p:nvGrpSpPr>
+        <p:cNvPr id="1" name="Shape 74"/>
+        <p:cNvGrpSpPr/>
+        <p:nvPr/>
+      </p:nvGrpSpPr>
+      <p:grpSpPr>
+        <a:xfrm>
+          <a:off x="0" y="0"/>
+          <a:ext cx="0" cy="0"/>
+          <a:chOff x="0" y="0"/>
+          <a:chExt cx="0" cy="0"/>
+        </a:xfrm>
+      </p:grpSpPr>
+      <p:sp>
+        <p:nvSpPr>
+          <p:cNvPr id="75" name="Google Shape;75;p16"/>
+          <p:cNvSpPr txBox="1">
+            <a:spLocks noGrp="1"/>
+          </p:cNvSpPr>
+          <p:nvPr>
+            <p:ph type="title"/>
+          </p:nvPr>
+        </p:nvSpPr>
+        <p:spPr>
+          <a:xfrm>
+            <a:off x="311700" y="445025"/>
+            <a:ext cx="8520600" cy="572700"/>
+          </a:xfrm>
+          <a:prstGeom prst="rect">
+            <a:avLst/>
+          </a:prstGeom>
+        </p:spPr>
+        <p:txBody>
+          <a:bodyPr spcFirstLastPara="1" wrap="square" lIns="91425" tIns="91425" rIns="91425" bIns="91425" anchor="t" anchorCtr="0">
+            <a:normAutofit fontScale="90000"/>
+          </a:bodyPr>
+          <a:lstStyle/>
+          <a:p>
+            <a:pPr marL="0" lvl="0" indent="0" algn="l" rtl="0">
+              <a:spcBef>
+                <a:spcPts val="0"/>
+              </a:spcBef>
+              <a:spcAft>
+                <a:spcPts val="0"/>
+              </a:spcAft>
+              <a:buNone/>
+            </a:pPr>
+            <a:r>
+              <a:rPr lang="en"/>
+              <a:t>Outline</a:t>
+            </a:r>
+            <a:endParaRPr/>
+          </a:p>
+        </p:txBody>
+      </p:sp>
+      <p:sp>
+        <p:nvSpPr>
+          <p:cNvPr id="76" name="Google Shape;76;p16"/>
+          <p:cNvSpPr txBox="1">
+            <a:spLocks noGrp="1"/>
+          </p:cNvSpPr>
+          <p:nvPr>
+            <p:ph type="body" idx="1"/>
+          </p:nvPr>
+        </p:nvSpPr>
+        <p:spPr>
+          <a:xfrm>
+            <a:off x="311700" y="1152475"/>
+            <a:ext cx="8520600" cy="3637200"/>
+          </a:xfrm>
+          <a:prstGeom prst="rect">
+            <a:avLst/>
+          </a:prstGeom>
+        </p:spPr>
+        <p:txBody>
+          <a:bodyPr spcFirstLastPara="1" wrap="square" lIns="91425" tIns="91425" rIns="91425" bIns="91425" anchor="t" anchorCtr="0">
+            <a:normAutofit/>
+          </a:bodyPr>
+          <a:lstStyle/>
+          <a:p>
+            <a:pPr marL="457200" lvl="0" indent="-342900" algn="l" rtl="0">
+              <a:spcBef>
+                <a:spcPts val="0"/>
+              </a:spcBef>
+              <a:spcAft>
+                <a:spcPts val="0"/>
+              </a:spcAft>
+              <a:buSzPts val="1800"/>
+              <a:buFont typeface="Montserrat"/>
+              <a:buAutoNum type="arabicPeriod"/>
+            </a:pPr>
+            <a:r>
+              <a:rPr lang="en"/>
+              <a:t>Overview of some web concepts</a:t>
+            </a:r>
+            <a:endParaRPr/>
+          </a:p>
+          <a:p>
+            <a:pPr marL="457200" lvl="0" indent="-342900" algn="l" rtl="0">
+              <a:spcBef>
+                <a:spcPts val="0"/>
+              </a:spcBef>
+              <a:spcAft>
+                <a:spcPts val="0"/>
+              </a:spcAft>
+              <a:buSzPts val="1800"/>
+              <a:buFont typeface="Montserrat"/>
+              <a:buAutoNum type="arabicPeriod"/>
+            </a:pPr>
+            <a:r>
+              <a:rPr lang="en"/>
+              <a:t>Semantic Tags</a:t>
+            </a:r>
+            <a:endParaRPr/>
+          </a:p>
+          <a:p>
+            <a:pPr marL="457200" lvl="0" indent="-342900" algn="l" rtl="0">
+              <a:spcBef>
+                <a:spcPts val="0"/>
+              </a:spcBef>
+              <a:spcAft>
+                <a:spcPts val="0"/>
+              </a:spcAft>
+              <a:buSzPts val="1800"/>
+              <a:buFont typeface="Montserrat"/>
+              <a:buAutoNum type="arabicPeriod"/>
+            </a:pPr>
+            <a:r>
+              <a:rPr lang="en"/>
+              <a:t>Understanding Linking</a:t>
+            </a:r>
+            <a:endParaRPr/>
+          </a:p>
+          <a:p>
+            <a:pPr marL="457200" lvl="0" indent="-342900" algn="l" rtl="0">
+              <a:spcBef>
+                <a:spcPts val="0"/>
+              </a:spcBef>
+              <a:spcAft>
+                <a:spcPts val="0"/>
+              </a:spcAft>
+              <a:buSzPts val="1800"/>
+              <a:buFont typeface="Montserrat"/>
+              <a:buAutoNum type="arabicPeriod"/>
+            </a:pPr>
+            <a:r>
+              <a:rPr lang="en"/>
+              <a:t>Linking Activity</a:t>
+            </a:r>
+            <a:endParaRPr/>
+          </a:p>
+        </p:txBody>
+      </p:sp>
+      <p:sp>
+        <p:nvSpPr>
+          <p:cNvPr id="77" name="Google Shape;77;p16"/>
+          <p:cNvSpPr txBox="1">
+            <a:spLocks noGrp="1"/>
+          </p:cNvSpPr>
+          <p:nvPr>
+            <p:ph type="sldNum" idx="12"/>
+          </p:nvPr>
+        </p:nvSpPr>
+        <p:spPr>
+          <a:xfrm>
+            <a:off x="8472458" y="4663217"/>
+            <a:ext cx="548700" cy="393600"/>
+          </a:xfrm>
+          <a:prstGeom prst="rect">
+            <a:avLst/>
+          </a:prstGeom>
+        </p:spPr>
+        <p:txBody>
+          <a:bodyPr spcFirstLastPara="1" wrap="square" lIns="91425" tIns="91425" rIns="91425" bIns="91425" anchor="ctr" anchorCtr="0">
+            <a:normAutofit/>
+          </a:bodyPr>
+          <a:lstStyle/>
+          <a:p>
+            <a:pPr marL="0" lvl="0" indent="0" algn="r" rtl="0">
+              <a:spcBef>
+                <a:spcPts val="0"/>
+              </a:spcBef>
+              <a:spcAft>
+                <a:spcPts val="0"/>
+              </a:spcAft>
+              <a:buNone/>
+            </a:pPr>
+            <a:fld id="{00000000-1234-1234-1234-123412341234}" type="slidenum">
+              <a:rPr lang="en"/>
+              <a:t>3</a:t>
+            </a:fld>
+            <a:endParaRPr/>
+          </a:p>
+        </p:txBody>
+      </p:sp>
+    </p:spTree>
+  </p:cSld>
+  <p:clrMapOvr>
+    <a:masterClrMapping/>
+  </p:clrMapOvr>
+</p:sld>
+</file>
+
+<file path=ppt/slides/slide30.xml><?xml version="1.0" encoding="utf-8"?>
 <p:sld xmlns:a="http://schemas.openxmlformats.org/drawingml/2006/main" xmlns:r="http://schemas.openxmlformats.org/officeDocument/2006/relationships" xmlns:p="http://schemas.openxmlformats.org/presentationml/2006/main">
   <p:cSld>
     <p:spTree>
@@ -20842,7 +20238,7 @@
             </a:pPr>
             <a:fld id="{00000000-1234-1234-1234-123412341234}" type="slidenum">
               <a:rPr lang="en"/>
-              <a:t>31</a:t>
+              <a:t>30</a:t>
             </a:fld>
             <a:endParaRPr/>
           </a:p>
@@ -21109,7 +20505,7 @@
 </p:sld>
 </file>
 
-<file path=ppt/slides/slide32.xml><?xml version="1.0" encoding="utf-8"?>
+<file path=ppt/slides/slide31.xml><?xml version="1.0" encoding="utf-8"?>
 <p:sld xmlns:a="http://schemas.openxmlformats.org/drawingml/2006/main" xmlns:r="http://schemas.openxmlformats.org/officeDocument/2006/relationships" xmlns:p="http://schemas.openxmlformats.org/presentationml/2006/main">
   <p:cSld>
     <p:spTree>
@@ -21644,7 +21040,7 @@
             </a:pPr>
             <a:fld id="{00000000-1234-1234-1234-123412341234}" type="slidenum">
               <a:rPr lang="en"/>
-              <a:t>32</a:t>
+              <a:t>31</a:t>
             </a:fld>
             <a:endParaRPr/>
           </a:p>
@@ -21902,7 +21298,7 @@
 </p:sld>
 </file>
 
-<file path=ppt/slides/slide33.xml><?xml version="1.0" encoding="utf-8"?>
+<file path=ppt/slides/slide32.xml><?xml version="1.0" encoding="utf-8"?>
 <p:sld xmlns:a="http://schemas.openxmlformats.org/drawingml/2006/main" xmlns:r="http://schemas.openxmlformats.org/officeDocument/2006/relationships" xmlns:p="http://schemas.openxmlformats.org/presentationml/2006/main">
   <p:cSld>
     <p:spTree>
@@ -22139,7 +21535,7 @@
             </a:pPr>
             <a:fld id="{00000000-1234-1234-1234-123412341234}" type="slidenum">
               <a:rPr lang="en"/>
-              <a:t>33</a:t>
+              <a:t>32</a:t>
             </a:fld>
             <a:endParaRPr/>
           </a:p>
@@ -22153,7 +21549,7 @@
 </p:sld>
 </file>
 
-<file path=ppt/slides/slide34.xml><?xml version="1.0" encoding="utf-8"?>
+<file path=ppt/slides/slide33.xml><?xml version="1.0" encoding="utf-8"?>
 <p:sld xmlns:a="http://schemas.openxmlformats.org/drawingml/2006/main" xmlns:r="http://schemas.openxmlformats.org/officeDocument/2006/relationships" xmlns:p="http://schemas.openxmlformats.org/presentationml/2006/main">
   <p:cSld>
     <p:spTree>
@@ -22294,7 +21690,7 @@
             </a:pPr>
             <a:fld id="{00000000-1234-1234-1234-123412341234}" type="slidenum">
               <a:rPr lang="en"/>
-              <a:t>34</a:t>
+              <a:t>33</a:t>
             </a:fld>
             <a:endParaRPr/>
           </a:p>
@@ -22309,213 +21705,6 @@
 </file>
 
 <file path=ppt/slides/slide4.xml><?xml version="1.0" encoding="utf-8"?>
-<p:sld xmlns:a="http://schemas.openxmlformats.org/drawingml/2006/main" xmlns:r="http://schemas.openxmlformats.org/officeDocument/2006/relationships" xmlns:p="http://schemas.openxmlformats.org/presentationml/2006/main">
-  <p:cSld>
-    <p:spTree>
-      <p:nvGrpSpPr>
-        <p:cNvPr id="1" name="Shape 74"/>
-        <p:cNvGrpSpPr/>
-        <p:nvPr/>
-      </p:nvGrpSpPr>
-      <p:grpSpPr>
-        <a:xfrm>
-          <a:off x="0" y="0"/>
-          <a:ext cx="0" cy="0"/>
-          <a:chOff x="0" y="0"/>
-          <a:chExt cx="0" cy="0"/>
-        </a:xfrm>
-      </p:grpSpPr>
-      <p:sp>
-        <p:nvSpPr>
-          <p:cNvPr id="75" name="Google Shape;75;p16"/>
-          <p:cNvSpPr txBox="1">
-            <a:spLocks noGrp="1"/>
-          </p:cNvSpPr>
-          <p:nvPr>
-            <p:ph type="title"/>
-          </p:nvPr>
-        </p:nvSpPr>
-        <p:spPr>
-          <a:xfrm>
-            <a:off x="311700" y="445025"/>
-            <a:ext cx="8520600" cy="572700"/>
-          </a:xfrm>
-          <a:prstGeom prst="rect">
-            <a:avLst/>
-          </a:prstGeom>
-        </p:spPr>
-        <p:txBody>
-          <a:bodyPr spcFirstLastPara="1" wrap="square" lIns="91425" tIns="91425" rIns="91425" bIns="91425" anchor="t" anchorCtr="0">
-            <a:normAutofit fontScale="90000"/>
-          </a:bodyPr>
-          <a:lstStyle/>
-          <a:p>
-            <a:pPr marL="0" lvl="0" indent="0" algn="l" rtl="0">
-              <a:spcBef>
-                <a:spcPts val="0"/>
-              </a:spcBef>
-              <a:spcAft>
-                <a:spcPts val="0"/>
-              </a:spcAft>
-              <a:buNone/>
-            </a:pPr>
-            <a:r>
-              <a:rPr lang="en"/>
-              <a:t>Outline</a:t>
-            </a:r>
-            <a:endParaRPr/>
-          </a:p>
-        </p:txBody>
-      </p:sp>
-      <p:sp>
-        <p:nvSpPr>
-          <p:cNvPr id="76" name="Google Shape;76;p16"/>
-          <p:cNvSpPr txBox="1">
-            <a:spLocks noGrp="1"/>
-          </p:cNvSpPr>
-          <p:nvPr>
-            <p:ph type="body" idx="1"/>
-          </p:nvPr>
-        </p:nvSpPr>
-        <p:spPr>
-          <a:xfrm>
-            <a:off x="311700" y="1152475"/>
-            <a:ext cx="8520600" cy="3637200"/>
-          </a:xfrm>
-          <a:prstGeom prst="rect">
-            <a:avLst/>
-          </a:prstGeom>
-        </p:spPr>
-        <p:txBody>
-          <a:bodyPr spcFirstLastPara="1" wrap="square" lIns="91425" tIns="91425" rIns="91425" bIns="91425" anchor="t" anchorCtr="0">
-            <a:normAutofit/>
-          </a:bodyPr>
-          <a:lstStyle/>
-          <a:p>
-            <a:pPr marL="457200" lvl="0" indent="-342900" algn="l" rtl="0">
-              <a:spcBef>
-                <a:spcPts val="0"/>
-              </a:spcBef>
-              <a:spcAft>
-                <a:spcPts val="0"/>
-              </a:spcAft>
-              <a:buSzPts val="1800"/>
-              <a:buFont typeface="Montserrat"/>
-              <a:buAutoNum type="arabicPeriod"/>
-            </a:pPr>
-            <a:r>
-              <a:rPr lang="en"/>
-              <a:t>Overview of some web concepts</a:t>
-            </a:r>
-            <a:endParaRPr/>
-          </a:p>
-          <a:p>
-            <a:pPr marL="457200" lvl="0" indent="-342900" algn="l" rtl="0">
-              <a:spcBef>
-                <a:spcPts val="0"/>
-              </a:spcBef>
-              <a:spcAft>
-                <a:spcPts val="0"/>
-              </a:spcAft>
-              <a:buSzPts val="1800"/>
-              <a:buFont typeface="Montserrat"/>
-              <a:buAutoNum type="arabicPeriod"/>
-            </a:pPr>
-            <a:r>
-              <a:rPr lang="en"/>
-              <a:t>Semantic Tags</a:t>
-            </a:r>
-            <a:endParaRPr/>
-          </a:p>
-          <a:p>
-            <a:pPr marL="457200" lvl="0" indent="-342900" algn="l" rtl="0">
-              <a:spcBef>
-                <a:spcPts val="0"/>
-              </a:spcBef>
-              <a:spcAft>
-                <a:spcPts val="0"/>
-              </a:spcAft>
-              <a:buSzPts val="1800"/>
-              <a:buFont typeface="Montserrat"/>
-              <a:buAutoNum type="arabicPeriod"/>
-            </a:pPr>
-            <a:r>
-              <a:rPr lang="en"/>
-              <a:t>Understanding Linking</a:t>
-            </a:r>
-            <a:endParaRPr/>
-          </a:p>
-          <a:p>
-            <a:pPr marL="457200" lvl="0" indent="-342900" algn="l" rtl="0">
-              <a:spcBef>
-                <a:spcPts val="0"/>
-              </a:spcBef>
-              <a:spcAft>
-                <a:spcPts val="0"/>
-              </a:spcAft>
-              <a:buSzPts val="1800"/>
-              <a:buFont typeface="Montserrat"/>
-              <a:buAutoNum type="arabicPeriod"/>
-            </a:pPr>
-            <a:r>
-              <a:rPr lang="en"/>
-              <a:t>Linking Activity</a:t>
-            </a:r>
-            <a:endParaRPr/>
-          </a:p>
-        </p:txBody>
-      </p:sp>
-      <p:sp>
-        <p:nvSpPr>
-          <p:cNvPr id="77" name="Google Shape;77;p16"/>
-          <p:cNvSpPr txBox="1">
-            <a:spLocks noGrp="1"/>
-          </p:cNvSpPr>
-          <p:nvPr>
-            <p:ph type="sldNum" idx="12"/>
-          </p:nvPr>
-        </p:nvSpPr>
-        <p:spPr>
-          <a:xfrm>
-            <a:off x="8472458" y="4663217"/>
-            <a:ext cx="548700" cy="393600"/>
-          </a:xfrm>
-          <a:prstGeom prst="rect">
-            <a:avLst/>
-          </a:prstGeom>
-        </p:spPr>
-        <p:txBody>
-          <a:bodyPr spcFirstLastPara="1" wrap="square" lIns="91425" tIns="91425" rIns="91425" bIns="91425" anchor="ctr" anchorCtr="0">
-            <a:normAutofit/>
-          </a:bodyPr>
-          <a:lstStyle/>
-          <a:p>
-            <a:pPr marL="0" lvl="0" indent="0" algn="r" rtl="0">
-              <a:spcBef>
-                <a:spcPts val="0"/>
-              </a:spcBef>
-              <a:spcAft>
-                <a:spcPts val="0"/>
-              </a:spcAft>
-              <a:buNone/>
-            </a:pPr>
-            <a:fld id="{00000000-1234-1234-1234-123412341234}" type="slidenum">
-              <a:rPr lang="en"/>
-              <a:t>4</a:t>
-            </a:fld>
-            <a:endParaRPr/>
-          </a:p>
-        </p:txBody>
-      </p:sp>
-    </p:spTree>
-  </p:cSld>
-  <p:clrMapOvr>
-    <a:masterClrMapping/>
-  </p:clrMapOvr>
-</p:sld>
-</file>
-
-<file path=ppt/slides/slide5.xml><?xml version="1.0" encoding="utf-8"?>
 <p:sld xmlns:a="http://schemas.openxmlformats.org/drawingml/2006/main" xmlns:r="http://schemas.openxmlformats.org/officeDocument/2006/relationships" xmlns:p="http://schemas.openxmlformats.org/presentationml/2006/main">
   <p:cSld>
     <p:spTree>
@@ -22719,7 +21908,7 @@
             </a:pPr>
             <a:fld id="{00000000-1234-1234-1234-123412341234}" type="slidenum">
               <a:rPr lang="en"/>
-              <a:t>5</a:t>
+              <a:t>4</a:t>
             </a:fld>
             <a:endParaRPr/>
           </a:p>
@@ -22733,7 +21922,7 @@
 </p:sld>
 </file>
 
-<file path=ppt/slides/slide6.xml><?xml version="1.0" encoding="utf-8"?>
+<file path=ppt/slides/slide5.xml><?xml version="1.0" encoding="utf-8"?>
 <p:sld xmlns:a="http://schemas.openxmlformats.org/drawingml/2006/main" xmlns:r="http://schemas.openxmlformats.org/officeDocument/2006/relationships" xmlns:p="http://schemas.openxmlformats.org/presentationml/2006/main">
   <p:cSld>
     <p:spTree>
@@ -22996,7 +22185,7 @@
 </p:sld>
 </file>
 
-<file path=ppt/slides/slide7.xml><?xml version="1.0" encoding="utf-8"?>
+<file path=ppt/slides/slide6.xml><?xml version="1.0" encoding="utf-8"?>
 <p:sld xmlns:a="http://schemas.openxmlformats.org/drawingml/2006/main" xmlns:r="http://schemas.openxmlformats.org/officeDocument/2006/relationships" xmlns:p="http://schemas.openxmlformats.org/presentationml/2006/main">
   <p:cSld>
     <p:spTree>
@@ -23673,7 +22862,7 @@
 </p:sld>
 </file>
 
-<file path=ppt/slides/slide8.xml><?xml version="1.0" encoding="utf-8"?>
+<file path=ppt/slides/slide7.xml><?xml version="1.0" encoding="utf-8"?>
 <p:sld xmlns:a="http://schemas.openxmlformats.org/drawingml/2006/main" xmlns:r="http://schemas.openxmlformats.org/officeDocument/2006/relationships" xmlns:p="http://schemas.openxmlformats.org/presentationml/2006/main">
   <p:cSld>
     <p:spTree>
@@ -23725,18 +22914,18 @@
               <a:buNone/>
             </a:pPr>
             <a:r>
-              <a:rPr lang="en"/>
+              <a:rPr lang="en" dirty="0"/>
               <a:t>1989: </a:t>
             </a:r>
             <a:r>
-              <a:rPr lang="en" b="1"/>
+              <a:rPr lang="en" b="1" dirty="0"/>
               <a:t>Tim Berners-Lee</a:t>
             </a:r>
             <a:r>
-              <a:rPr lang="en"/>
+              <a:rPr lang="en" dirty="0"/>
               <a:t>, a British computer scientist, conceptualized and built the three foundational web technologies:</a:t>
             </a:r>
-            <a:endParaRPr/>
+            <a:endParaRPr dirty="0"/>
           </a:p>
           <a:p>
             <a:pPr marL="457200" lvl="0" indent="-342900" algn="l" rtl="0">
@@ -23750,7 +22939,7 @@
               <a:buChar char="●"/>
             </a:pPr>
             <a:r>
-              <a:rPr lang="en">
+              <a:rPr lang="en" dirty="0">
                 <a:latin typeface="Rubik Medium"/>
                 <a:ea typeface="Rubik Medium"/>
                 <a:cs typeface="Rubik Medium"/>
@@ -23759,10 +22948,18 @@
               <a:t>HTML</a:t>
             </a:r>
             <a:r>
-              <a:rPr lang="en"/>
-              <a:t>: HyperText Markup Language. The markup (formatting) language for the web.</a:t>
-            </a:r>
-            <a:endParaRPr/>
+              <a:rPr lang="en" dirty="0"/>
+              <a:t>: </a:t>
+            </a:r>
+            <a:r>
+              <a:rPr lang="en" dirty="0" err="1"/>
+              <a:t>HyperText</a:t>
+            </a:r>
+            <a:r>
+              <a:rPr lang="en" dirty="0"/>
+              <a:t> Markup Language. The markup (formatting) language for the web.</a:t>
+            </a:r>
+            <a:endParaRPr dirty="0"/>
           </a:p>
           <a:p>
             <a:pPr marL="457200" lvl="0" indent="-342900" algn="l" rtl="0">
@@ -23776,7 +22973,7 @@
               <a:buChar char="●"/>
             </a:pPr>
             <a:r>
-              <a:rPr lang="en">
+              <a:rPr lang="en" dirty="0">
                 <a:latin typeface="Rubik Medium"/>
                 <a:ea typeface="Rubik Medium"/>
                 <a:cs typeface="Rubik Medium"/>
@@ -23785,10 +22982,10 @@
               <a:t>URI</a:t>
             </a:r>
             <a:r>
-              <a:rPr lang="en"/>
+              <a:rPr lang="en" dirty="0"/>
               <a:t>: Uniform Resource Identifier. A kind of “address” that is unique and used to identify to each resource on the web. It is also commonly called a URL.</a:t>
             </a:r>
-            <a:endParaRPr/>
+            <a:endParaRPr dirty="0"/>
           </a:p>
           <a:p>
             <a:pPr marL="457200" lvl="0" indent="-342900" algn="l" rtl="0">
@@ -23802,7 +22999,7 @@
               <a:buChar char="●"/>
             </a:pPr>
             <a:r>
-              <a:rPr lang="en">
+              <a:rPr lang="en" dirty="0">
                 <a:latin typeface="Rubik Medium"/>
                 <a:ea typeface="Rubik Medium"/>
                 <a:cs typeface="Rubik Medium"/>
@@ -23811,10 +23008,10 @@
               <a:t>HTTP</a:t>
             </a:r>
             <a:r>
-              <a:rPr lang="en"/>
+              <a:rPr lang="en" dirty="0"/>
               <a:t>: Hypertext Transfer Protocol. Allows for the retrieval of linked resources from across the web.</a:t>
             </a:r>
-            <a:endParaRPr/>
+            <a:endParaRPr dirty="0"/>
           </a:p>
         </p:txBody>
       </p:sp>
@@ -23895,23 +23092,14 @@
               <a:buNone/>
             </a:pPr>
             <a:r>
-              <a:rPr lang="en"/>
-              <a:t>Source: </a:t>
-            </a:r>
-            <a:r>
-              <a:rPr lang="en" u="sng">
-                <a:solidFill>
-                  <a:schemeClr val="hlink"/>
-                </a:solidFill>
-                <a:hlinkClick r:id="rId3"/>
-              </a:rPr>
-              <a:t>https://webfoundation.org/about/vision/history-of-the-web/</a:t>
-            </a:r>
-            <a:r>
-              <a:rPr lang="en"/>
-              <a:t> </a:t>
-            </a:r>
-            <a:endParaRPr/>
+              <a:rPr lang="en" dirty="0"/>
+              <a:t>Source: course-website/course-files/readings/</a:t>
+            </a:r>
+            <a:r>
+              <a:rPr lang="en-US" dirty="0" err="1"/>
+              <a:t>HistoryOfWeb.pdf</a:t>
+            </a:r>
+            <a:endParaRPr dirty="0"/>
           </a:p>
         </p:txBody>
       </p:sp>
@@ -24197,7 +23385,7 @@
 </p:sld>
 </file>
 
-<file path=ppt/slides/slide9.xml><?xml version="1.0" encoding="utf-8"?>
+<file path=ppt/slides/slide8.xml><?xml version="1.0" encoding="utf-8"?>
 <p:sld xmlns:a="http://schemas.openxmlformats.org/drawingml/2006/main" xmlns:r="http://schemas.openxmlformats.org/officeDocument/2006/relationships" xmlns:p="http://schemas.openxmlformats.org/presentationml/2006/main">
   <p:cSld>
     <p:spTree>
@@ -24699,6 +23887,363 @@
                                           <p:spTgt spid="108">
                                             <p:txEl>
                                               <p:pRg st="4" end="4"/>
+                                            </p:txEl>
+                                          </p:spTgt>
+                                        </p:tgtEl>
+                                      </p:cBhvr>
+                                    </p:animEffect>
+                                  </p:childTnLst>
+                                </p:cTn>
+                              </p:par>
+                            </p:childTnLst>
+                          </p:cTn>
+                        </p:par>
+                      </p:childTnLst>
+                    </p:cTn>
+                  </p:par>
+                </p:childTnLst>
+              </p:cTn>
+              <p:prevCondLst>
+                <p:cond evt="onPrev" delay="0">
+                  <p:tgtEl>
+                    <p:sldTgt/>
+                  </p:tgtEl>
+                </p:cond>
+              </p:prevCondLst>
+              <p:nextCondLst>
+                <p:cond evt="onNext" delay="0">
+                  <p:tgtEl>
+                    <p:sldTgt/>
+                  </p:tgtEl>
+                </p:cond>
+              </p:nextCondLst>
+            </p:seq>
+          </p:childTnLst>
+        </p:cTn>
+      </p:par>
+    </p:tnLst>
+  </p:timing>
+</p:sld>
+</file>
+
+<file path=ppt/slides/slide9.xml><?xml version="1.0" encoding="utf-8"?>
+<p:sld xmlns:a="http://schemas.openxmlformats.org/drawingml/2006/main" xmlns:r="http://schemas.openxmlformats.org/officeDocument/2006/relationships" xmlns:p="http://schemas.openxmlformats.org/presentationml/2006/main">
+  <p:cSld>
+    <p:spTree>
+      <p:nvGrpSpPr>
+        <p:cNvPr id="1" name="Shape 113"/>
+        <p:cNvGrpSpPr/>
+        <p:nvPr/>
+      </p:nvGrpSpPr>
+      <p:grpSpPr>
+        <a:xfrm>
+          <a:off x="0" y="0"/>
+          <a:ext cx="0" cy="0"/>
+          <a:chOff x="0" y="0"/>
+          <a:chExt cx="0" cy="0"/>
+        </a:xfrm>
+      </p:grpSpPr>
+      <p:sp>
+        <p:nvSpPr>
+          <p:cNvPr id="114" name="Google Shape;114;p22"/>
+          <p:cNvSpPr txBox="1">
+            <a:spLocks noGrp="1"/>
+          </p:cNvSpPr>
+          <p:nvPr>
+            <p:ph type="body" idx="1"/>
+          </p:nvPr>
+        </p:nvSpPr>
+        <p:spPr>
+          <a:xfrm>
+            <a:off x="311700" y="1152475"/>
+            <a:ext cx="8520600" cy="3637200"/>
+          </a:xfrm>
+          <a:prstGeom prst="rect">
+            <a:avLst/>
+          </a:prstGeom>
+        </p:spPr>
+        <p:txBody>
+          <a:bodyPr spcFirstLastPara="1" wrap="square" lIns="91425" tIns="91425" rIns="91425" bIns="91425" anchor="t" anchorCtr="0">
+            <a:normAutofit/>
+          </a:bodyPr>
+          <a:lstStyle/>
+          <a:p>
+            <a:pPr marL="457200" lvl="0" indent="-342900" algn="l" rtl="0">
+              <a:spcBef>
+                <a:spcPts val="0"/>
+              </a:spcBef>
+              <a:spcAft>
+                <a:spcPts val="0"/>
+              </a:spcAft>
+              <a:buSzPts val="1800"/>
+              <a:buChar char="●"/>
+            </a:pPr>
+            <a:r>
+              <a:rPr lang="en"/>
+              <a:t>Refers to the rules that servers and browsers must follow to in order to transfer web files over the Internet.</a:t>
+            </a:r>
+            <a:endParaRPr/>
+          </a:p>
+          <a:p>
+            <a:pPr marL="457200" lvl="0" indent="-342900" algn="l" rtl="0">
+              <a:spcBef>
+                <a:spcPts val="1000"/>
+              </a:spcBef>
+              <a:spcAft>
+                <a:spcPts val="0"/>
+              </a:spcAft>
+              <a:buSzPts val="1800"/>
+              <a:buChar char="●"/>
+            </a:pPr>
+            <a:r>
+              <a:rPr lang="en"/>
+              <a:t>HTTP allows (authorized) users to create, update, or delete resources on a web server</a:t>
+            </a:r>
+            <a:endParaRPr/>
+          </a:p>
+          <a:p>
+            <a:pPr marL="457200" lvl="0" indent="-342900" algn="l" rtl="0">
+              <a:spcBef>
+                <a:spcPts val="1000"/>
+              </a:spcBef>
+              <a:spcAft>
+                <a:spcPts val="0"/>
+              </a:spcAft>
+              <a:buSzPts val="1800"/>
+              <a:buChar char="●"/>
+            </a:pPr>
+            <a:r>
+              <a:rPr lang="en"/>
+              <a:t>HTTPS adds encryption and verification to the data transmission process</a:t>
+            </a:r>
+            <a:endParaRPr/>
+          </a:p>
+        </p:txBody>
+      </p:sp>
+      <p:sp>
+        <p:nvSpPr>
+          <p:cNvPr id="115" name="Google Shape;115;p22"/>
+          <p:cNvSpPr txBox="1">
+            <a:spLocks noGrp="1"/>
+          </p:cNvSpPr>
+          <p:nvPr>
+            <p:ph type="title"/>
+          </p:nvPr>
+        </p:nvSpPr>
+        <p:spPr>
+          <a:xfrm>
+            <a:off x="311700" y="445025"/>
+            <a:ext cx="8520600" cy="572700"/>
+          </a:xfrm>
+          <a:prstGeom prst="rect">
+            <a:avLst/>
+          </a:prstGeom>
+        </p:spPr>
+        <p:txBody>
+          <a:bodyPr spcFirstLastPara="1" wrap="square" lIns="91425" tIns="91425" rIns="91425" bIns="91425" anchor="t" anchorCtr="0">
+            <a:normAutofit fontScale="90000"/>
+          </a:bodyPr>
+          <a:lstStyle/>
+          <a:p>
+            <a:pPr marL="0" lvl="0" indent="0" algn="l" rtl="0">
+              <a:spcBef>
+                <a:spcPts val="0"/>
+              </a:spcBef>
+              <a:spcAft>
+                <a:spcPts val="0"/>
+              </a:spcAft>
+              <a:buNone/>
+            </a:pPr>
+            <a:r>
+              <a:rPr lang="en"/>
+              <a:t>What is HTTP (Hypertext Transfer Protocol)?</a:t>
+            </a:r>
+            <a:endParaRPr/>
+          </a:p>
+        </p:txBody>
+      </p:sp>
+    </p:spTree>
+  </p:cSld>
+  <p:clrMapOvr>
+    <a:masterClrMapping/>
+  </p:clrMapOvr>
+  <p:timing>
+    <p:tnLst>
+      <p:par>
+        <p:cTn id="1" dur="indefinite" restart="never" nodeType="tmRoot">
+          <p:childTnLst>
+            <p:seq concurrent="1" nextAc="seek">
+              <p:cTn id="2" dur="indefinite" nodeType="mainSeq">
+                <p:childTnLst>
+                  <p:par>
+                    <p:cTn id="3" fill="hold">
+                      <p:stCondLst>
+                        <p:cond delay="indefinite"/>
+                      </p:stCondLst>
+                      <p:childTnLst>
+                        <p:par>
+                          <p:cTn id="4" fill="hold">
+                            <p:stCondLst>
+                              <p:cond delay="0"/>
+                            </p:stCondLst>
+                            <p:childTnLst>
+                              <p:par>
+                                <p:cTn id="5" presetID="10" presetClass="entr" presetSubtype="0" fill="hold" nodeType="clickEffect">
+                                  <p:stCondLst>
+                                    <p:cond delay="0"/>
+                                  </p:stCondLst>
+                                  <p:childTnLst>
+                                    <p:set>
+                                      <p:cBhvr>
+                                        <p:cTn id="6" dur="1" fill="hold">
+                                          <p:stCondLst>
+                                            <p:cond delay="0"/>
+                                          </p:stCondLst>
+                                        </p:cTn>
+                                        <p:tgtEl>
+                                          <p:spTgt spid="114">
+                                            <p:txEl>
+                                              <p:pRg st="0" end="0"/>
+                                            </p:txEl>
+                                          </p:spTgt>
+                                        </p:tgtEl>
+                                        <p:attrNameLst>
+                                          <p:attrName>style.visibility</p:attrName>
+                                        </p:attrNameLst>
+                                      </p:cBhvr>
+                                      <p:to>
+                                        <p:strVal val="visible"/>
+                                      </p:to>
+                                    </p:set>
+                                    <p:animEffect transition="in" filter="fade">
+                                      <p:cBhvr>
+                                        <p:cTn id="7" dur="1"/>
+                                        <p:tgtEl>
+                                          <p:spTgt spid="114">
+                                            <p:txEl>
+                                              <p:pRg st="0" end="0"/>
+                                            </p:txEl>
+                                          </p:spTgt>
+                                        </p:tgtEl>
+                                      </p:cBhvr>
+                                    </p:animEffect>
+                                  </p:childTnLst>
+                                </p:cTn>
+                              </p:par>
+                            </p:childTnLst>
+                          </p:cTn>
+                        </p:par>
+                      </p:childTnLst>
+                    </p:cTn>
+                  </p:par>
+                  <p:par>
+                    <p:cTn id="8" fill="hold">
+                      <p:stCondLst>
+                        <p:cond delay="indefinite"/>
+                      </p:stCondLst>
+                      <p:childTnLst>
+                        <p:par>
+                          <p:cTn id="9" fill="hold">
+                            <p:stCondLst>
+                              <p:cond delay="0"/>
+                            </p:stCondLst>
+                            <p:childTnLst>
+                              <p:par>
+                                <p:cTn id="10" presetID="10" presetClass="entr" presetSubtype="0" fill="hold" nodeType="clickEffect">
+                                  <p:stCondLst>
+                                    <p:cond delay="0"/>
+                                  </p:stCondLst>
+                                  <p:childTnLst>
+                                    <p:set>
+                                      <p:cBhvr>
+                                        <p:cTn id="11" dur="1" fill="hold">
+                                          <p:stCondLst>
+                                            <p:cond delay="0"/>
+                                          </p:stCondLst>
+                                        </p:cTn>
+                                        <p:tgtEl>
+                                          <p:spTgt spid="114">
+                                            <p:txEl>
+                                              <p:pRg st="1" end="1"/>
+                                            </p:txEl>
+                                          </p:spTgt>
+                                        </p:tgtEl>
+                                        <p:attrNameLst>
+                                          <p:attrName>style.visibility</p:attrName>
+                                        </p:attrNameLst>
+                                      </p:cBhvr>
+                                      <p:to>
+                                        <p:strVal val="visible"/>
+                                      </p:to>
+                                    </p:set>
+                                    <p:animEffect transition="in" filter="fade">
+                                      <p:cBhvr>
+                                        <p:cTn id="12" dur="1"/>
+                                        <p:tgtEl>
+                                          <p:spTgt spid="114">
+                                            <p:txEl>
+                                              <p:pRg st="1" end="1"/>
+                                            </p:txEl>
+                                          </p:spTgt>
+                                        </p:tgtEl>
+                                      </p:cBhvr>
+                                    </p:animEffect>
+                                  </p:childTnLst>
+                                </p:cTn>
+                              </p:par>
+                            </p:childTnLst>
+                          </p:cTn>
+                        </p:par>
+                      </p:childTnLst>
+                    </p:cTn>
+                  </p:par>
+                  <p:par>
+                    <p:cTn id="13" fill="hold">
+                      <p:stCondLst>
+                        <p:cond delay="indefinite"/>
+                      </p:stCondLst>
+                      <p:childTnLst>
+                        <p:par>
+                          <p:cTn id="14" fill="hold">
+                            <p:stCondLst>
+                              <p:cond delay="0"/>
+                            </p:stCondLst>
+                            <p:childTnLst>
+                              <p:par>
+                                <p:cTn id="15" presetID="10" presetClass="entr" presetSubtype="0" fill="hold" nodeType="clickEffect">
+                                  <p:stCondLst>
+                                    <p:cond delay="0"/>
+                                  </p:stCondLst>
+                                  <p:childTnLst>
+                                    <p:set>
+                                      <p:cBhvr>
+                                        <p:cTn id="16" dur="1" fill="hold">
+                                          <p:stCondLst>
+                                            <p:cond delay="0"/>
+                                          </p:stCondLst>
+                                        </p:cTn>
+                                        <p:tgtEl>
+                                          <p:spTgt spid="114">
+                                            <p:txEl>
+                                              <p:pRg st="2" end="2"/>
+                                            </p:txEl>
+                                          </p:spTgt>
+                                        </p:tgtEl>
+                                        <p:attrNameLst>
+                                          <p:attrName>style.visibility</p:attrName>
+                                        </p:attrNameLst>
+                                      </p:cBhvr>
+                                      <p:to>
+                                        <p:strVal val="visible"/>
+                                      </p:to>
+                                    </p:set>
+                                    <p:animEffect transition="in" filter="fade">
+                                      <p:cBhvr>
+                                        <p:cTn id="17" dur="1"/>
+                                        <p:tgtEl>
+                                          <p:spTgt spid="114">
+                                            <p:txEl>
+                                              <p:pRg st="2" end="2"/>
                                             </p:txEl>
                                           </p:spTgt>
                                         </p:tgtEl>
